--- a/DsDotNet/src/UnitTest/UnitTest.Engine/ImportOffice/ppt/T10_Button.pptx
+++ b/DsDotNet/src/UnitTest/UnitTest.Engine/ImportOffice/ppt/T10_Button.pptx
@@ -218,7 +218,7 @@
           <a:p>
             <a:fld id="{DD503887-5801-43A0-AEF9-041E8DDC2558}" type="datetimeFigureOut">
               <a:rPr lang="ko-KR" altLang="en-US" smtClean="0"/>
-              <a:t>2022-12-08</a:t>
+              <a:t>2022-12-22</a:t>
             </a:fld>
             <a:endParaRPr lang="ko-KR" altLang="en-US"/>
           </a:p>
@@ -395,7 +395,7 @@
           <a:p>
             <a:fld id="{95336A0E-57B1-4D4C-BD9B-2F72B5943464}" type="datetimeFigureOut">
               <a:rPr lang="ko-KR" altLang="en-US" smtClean="0"/>
-              <a:t>2022-12-08</a:t>
+              <a:t>2022-12-22</a:t>
             </a:fld>
             <a:endParaRPr lang="ko-KR" altLang="en-US"/>
           </a:p>
@@ -757,7 +757,7 @@
           <a:effectLst/>
           <a:extLst>
             <a:ext uri="{91240B29-F687-4f45-9708-019B960494DF}">
-              <a14:hiddenLine xmlns="" xmlns:a14="http://schemas.microsoft.com/office/drawing/2010/main" w="9525">
+              <a14:hiddenLine xmlns:a14="http://schemas.microsoft.com/office/drawing/2010/main" xmlns="" w="9525">
                 <a:solidFill>
                   <a:srgbClr val="000000"/>
                 </a:solidFill>
@@ -949,7 +949,7 @@
           <a:p>
             <a:fld id="{DEA6EBF0-8E22-42A7-9BEA-2AC7066E6498}" type="datetimeFigureOut">
               <a:rPr lang="ko-KR" altLang="en-US" smtClean="0"/>
-              <a:t>2022-12-08</a:t>
+              <a:t>2022-12-22</a:t>
             </a:fld>
             <a:endParaRPr lang="ko-KR" altLang="en-US"/>
           </a:p>
@@ -1267,7 +1267,7 @@
           <a:p>
             <a:fld id="{DEA6EBF0-8E22-42A7-9BEA-2AC7066E6498}" type="datetimeFigureOut">
               <a:rPr lang="ko-KR" altLang="en-US" smtClean="0"/>
-              <a:t>2022-12-08</a:t>
+              <a:t>2022-12-22</a:t>
             </a:fld>
             <a:endParaRPr lang="ko-KR" altLang="en-US"/>
           </a:p>
@@ -1755,7 +1755,7 @@
           <a:p>
             <a:fld id="{DEA6EBF0-8E22-42A7-9BEA-2AC7066E6498}" type="datetimeFigureOut">
               <a:rPr lang="ko-KR" altLang="en-US" smtClean="0"/>
-              <a:t>2022-12-08</a:t>
+              <a:t>2022-12-22</a:t>
             </a:fld>
             <a:endParaRPr lang="ko-KR" altLang="en-US"/>
           </a:p>
@@ -2124,7 +2124,7 @@
           <a:p>
             <a:fld id="{DEA6EBF0-8E22-42A7-9BEA-2AC7066E6498}" type="datetimeFigureOut">
               <a:rPr lang="ko-KR" altLang="en-US" smtClean="0"/>
-              <a:t>2022-12-08</a:t>
+              <a:t>2022-12-22</a:t>
             </a:fld>
             <a:endParaRPr lang="ko-KR" altLang="en-US"/>
           </a:p>
@@ -2279,7 +2279,7 @@
           <a:ln/>
           <a:extLst>
             <a:ext uri="{91240B29-F687-4f45-9708-019B960494DF}">
-              <a14:hiddenLine xmlns="" xmlns:a14="http://schemas.microsoft.com/office/drawing/2010/main" w="9525">
+              <a14:hiddenLine xmlns:a14="http://schemas.microsoft.com/office/drawing/2010/main" xmlns="" w="9525">
                 <a:solidFill>
                   <a:srgbClr val="000000"/>
                 </a:solidFill>
@@ -2397,7 +2397,7 @@
           <a:p>
             <a:fld id="{DEA6EBF0-8E22-42A7-9BEA-2AC7066E6498}" type="datetimeFigureOut">
               <a:rPr lang="ko-KR" altLang="en-US" smtClean="0"/>
-              <a:t>2022-12-08</a:t>
+              <a:t>2022-12-22</a:t>
             </a:fld>
             <a:endParaRPr lang="ko-KR" altLang="en-US"/>
           </a:p>
@@ -2554,7 +2554,7 @@
           <a:ln/>
           <a:extLst>
             <a:ext uri="{91240B29-F687-4f45-9708-019B960494DF}">
-              <a14:hiddenLine xmlns="" xmlns:a14="http://schemas.microsoft.com/office/drawing/2010/main" w="9525">
+              <a14:hiddenLine xmlns:a14="http://schemas.microsoft.com/office/drawing/2010/main" xmlns="" w="9525">
                 <a:solidFill>
                   <a:srgbClr val="000000"/>
                 </a:solidFill>
@@ -2682,7 +2682,7 @@
           <a:p>
             <a:fld id="{DEA6EBF0-8E22-42A7-9BEA-2AC7066E6498}" type="datetimeFigureOut">
               <a:rPr lang="ko-KR" altLang="en-US" smtClean="0"/>
-              <a:t>2022-12-08</a:t>
+              <a:t>2022-12-22</a:t>
             </a:fld>
             <a:endParaRPr lang="ko-KR" altLang="en-US"/>
           </a:p>
@@ -2800,7 +2800,7 @@
           <a:p>
             <a:fld id="{DEA6EBF0-8E22-42A7-9BEA-2AC7066E6498}" type="datetimeFigureOut">
               <a:rPr lang="ko-KR" altLang="en-US" smtClean="0"/>
-              <a:t>2022-12-08</a:t>
+              <a:t>2022-12-22</a:t>
             </a:fld>
             <a:endParaRPr lang="ko-KR" altLang="en-US"/>
           </a:p>
@@ -2955,7 +2955,7 @@
           <a:ln/>
           <a:extLst>
             <a:ext uri="{91240B29-F687-4f45-9708-019B960494DF}">
-              <a14:hiddenLine xmlns="" xmlns:a14="http://schemas.microsoft.com/office/drawing/2010/main" w="9525">
+              <a14:hiddenLine xmlns:a14="http://schemas.microsoft.com/office/drawing/2010/main" xmlns="" w="9525">
                 <a:solidFill>
                   <a:srgbClr val="000000"/>
                 </a:solidFill>
@@ -3083,7 +3083,7 @@
           <a:p>
             <a:fld id="{DEA6EBF0-8E22-42A7-9BEA-2AC7066E6498}" type="datetimeFigureOut">
               <a:rPr lang="ko-KR" altLang="en-US" smtClean="0"/>
-              <a:t>2022-12-08</a:t>
+              <a:t>2022-12-22</a:t>
             </a:fld>
             <a:endParaRPr lang="ko-KR" altLang="en-US"/>
           </a:p>
@@ -3426,7 +3426,7 @@
           <a:p>
             <a:fld id="{DEA6EBF0-8E22-42A7-9BEA-2AC7066E6498}" type="datetimeFigureOut">
               <a:rPr lang="ko-KR" altLang="en-US" smtClean="0"/>
-              <a:t>2022-12-08</a:t>
+              <a:t>2022-12-22</a:t>
             </a:fld>
             <a:endParaRPr lang="ko-KR" altLang="en-US"/>
           </a:p>
@@ -3581,7 +3581,7 @@
           <a:ln/>
           <a:extLst>
             <a:ext uri="{91240B29-F687-4f45-9708-019B960494DF}">
-              <a14:hiddenLine xmlns="" xmlns:a14="http://schemas.microsoft.com/office/drawing/2010/main" w="9525">
+              <a14:hiddenLine xmlns:a14="http://schemas.microsoft.com/office/drawing/2010/main" xmlns="" w="9525">
                 <a:solidFill>
                   <a:srgbClr val="000000"/>
                 </a:solidFill>
@@ -3765,7 +3765,7 @@
           <a:p>
             <a:fld id="{DEA6EBF0-8E22-42A7-9BEA-2AC7066E6498}" type="datetimeFigureOut">
               <a:rPr lang="ko-KR" altLang="en-US" smtClean="0"/>
-              <a:t>2022-12-08</a:t>
+              <a:t>2022-12-22</a:t>
             </a:fld>
             <a:endParaRPr lang="ko-KR" altLang="en-US"/>
           </a:p>
@@ -3920,7 +3920,7 @@
           <a:ln/>
           <a:extLst>
             <a:ext uri="{91240B29-F687-4f45-9708-019B960494DF}">
-              <a14:hiddenLine xmlns="" xmlns:a14="http://schemas.microsoft.com/office/drawing/2010/main" w="9525">
+              <a14:hiddenLine xmlns:a14="http://schemas.microsoft.com/office/drawing/2010/main" xmlns="" w="9525">
                 <a:solidFill>
                   <a:srgbClr val="000000"/>
                 </a:solidFill>
@@ -4242,7 +4242,7 @@
           <a:p>
             <a:fld id="{DEA6EBF0-8E22-42A7-9BEA-2AC7066E6498}" type="datetimeFigureOut">
               <a:rPr lang="ko-KR" altLang="en-US" smtClean="0"/>
-              <a:t>2022-12-08</a:t>
+              <a:t>2022-12-22</a:t>
             </a:fld>
             <a:endParaRPr lang="ko-KR" altLang="en-US"/>
           </a:p>
@@ -4337,7 +4337,7 @@
           <a:p>
             <a:fld id="{DEA6EBF0-8E22-42A7-9BEA-2AC7066E6498}" type="datetimeFigureOut">
               <a:rPr lang="ko-KR" altLang="en-US" smtClean="0"/>
-              <a:t>2022-12-08</a:t>
+              <a:t>2022-12-22</a:t>
             </a:fld>
             <a:endParaRPr lang="ko-KR" altLang="en-US"/>
           </a:p>
@@ -4605,7 +4605,7 @@
           <a:ln/>
           <a:extLst>
             <a:ext uri="{91240B29-F687-4f45-9708-019B960494DF}">
-              <a14:hiddenLine xmlns="" xmlns:a14="http://schemas.microsoft.com/office/drawing/2010/main" w="9525">
+              <a14:hiddenLine xmlns:a14="http://schemas.microsoft.com/office/drawing/2010/main" xmlns="" w="9525">
                 <a:solidFill>
                   <a:srgbClr val="000000"/>
                 </a:solidFill>
@@ -4804,7 +4804,7 @@
           <a:p>
             <a:fld id="{DEA6EBF0-8E22-42A7-9BEA-2AC7066E6498}" type="datetimeFigureOut">
               <a:rPr lang="ko-KR" altLang="en-US" smtClean="0"/>
-              <a:t>2022-12-08</a:t>
+              <a:t>2022-12-22</a:t>
             </a:fld>
             <a:endParaRPr lang="ko-KR" altLang="en-US"/>
           </a:p>
@@ -5117,7 +5117,7 @@
           <a:p>
             <a:fld id="{DEA6EBF0-8E22-42A7-9BEA-2AC7066E6498}" type="datetimeFigureOut">
               <a:rPr lang="ko-KR" altLang="en-US" smtClean="0"/>
-              <a:t>2022-12-08</a:t>
+              <a:t>2022-12-22</a:t>
             </a:fld>
             <a:endParaRPr lang="ko-KR" altLang="en-US"/>
           </a:p>
@@ -5387,7 +5387,7 @@
           <a:p>
             <a:fld id="{DEA6EBF0-8E22-42A7-9BEA-2AC7066E6498}" type="datetimeFigureOut">
               <a:rPr lang="ko-KR" altLang="en-US" smtClean="0"/>
-              <a:t>2022-12-08</a:t>
+              <a:t>2022-12-22</a:t>
             </a:fld>
             <a:endParaRPr lang="ko-KR" altLang="en-US"/>
           </a:p>
@@ -6239,8 +6239,8 @@
           <a:p>
             <a:pPr algn="ctr"/>
             <a:r>
-              <a:rPr lang="en-US" altLang="ko-KR" dirty="0"/>
-              <a:t>RESET1</a:t>
+              <a:rPr lang="en-US" altLang="ko-KR" dirty="0" err="1"/>
+              <a:t>CLEAR1</a:t>
             </a:r>
             <a:endParaRPr lang="ko-KR" altLang="en-US" dirty="0"/>
           </a:p>
@@ -6294,12 +6294,70 @@
           <a:p>
             <a:pPr algn="ctr"/>
             <a:r>
+              <a:rPr lang="en-US" altLang="ko-KR" dirty="0">
+                <a:solidFill>
+                  <a:schemeClr val="tx1"/>
+                </a:solidFill>
+              </a:rPr>
+              <a:t>START1</a:t>
+            </a:r>
+            <a:endParaRPr lang="ko-KR" altLang="en-US" dirty="0">
+              <a:solidFill>
+                <a:schemeClr val="tx1"/>
+              </a:solidFill>
+            </a:endParaRPr>
+          </a:p>
+        </p:txBody>
+      </p:sp>
+      <p:sp>
+        <p:nvSpPr>
+          <p:cNvPr id="5" name="막힌 원호 4">
+            <a:extLst>
+              <a:ext uri="{FF2B5EF4-FFF2-40B4-BE49-F238E27FC236}">
+                <a16:creationId xmlns:a16="http://schemas.microsoft.com/office/drawing/2014/main" id="{3DC57155-803E-E4DB-B6E9-9DE212A92BF5}"/>
+              </a:ext>
+            </a:extLst>
+          </p:cNvPr>
+          <p:cNvSpPr/>
+          <p:nvPr/>
+        </p:nvSpPr>
+        <p:spPr>
+          <a:xfrm>
+            <a:off x="4148287" y="2448232"/>
+            <a:ext cx="1673524" cy="2212258"/>
+          </a:xfrm>
+          <a:prstGeom prst="blockArc">
+            <a:avLst/>
+          </a:prstGeom>
+        </p:spPr>
+        <p:style>
+          <a:lnRef idx="2">
+            <a:schemeClr val="accent1">
+              <a:shade val="50000"/>
+            </a:schemeClr>
+          </a:lnRef>
+          <a:fillRef idx="1">
+            <a:schemeClr val="accent1"/>
+          </a:fillRef>
+          <a:effectRef idx="0">
+            <a:schemeClr val="accent1"/>
+          </a:effectRef>
+          <a:fontRef idx="minor">
+            <a:schemeClr val="lt1"/>
+          </a:fontRef>
+        </p:style>
+        <p:txBody>
+          <a:bodyPr rtlCol="0" anchor="ctr"/>
+          <a:lstStyle/>
+          <a:p>
+            <a:pPr algn="ctr"/>
+            <a:r>
               <a:rPr lang="en-US" altLang="ko-KR" dirty="0" err="1">
                 <a:solidFill>
                   <a:schemeClr val="tx1"/>
                 </a:solidFill>
               </a:rPr>
-              <a:t>AUTO1</a:t>
+              <a:t>AUTOMODE1</a:t>
             </a:r>
             <a:endParaRPr lang="ko-KR" altLang="en-US" dirty="0">
               <a:solidFill>

--- a/DsDotNet/src/UnitTest/UnitTest.Engine/ImportOffice/ppt/T10_Button.pptx
+++ b/DsDotNet/src/UnitTest/UnitTest.Engine/ImportOffice/ppt/T10_Button.pptx
@@ -218,7 +218,7 @@
           <a:p>
             <a:fld id="{DD503887-5801-43A0-AEF9-041E8DDC2558}" type="datetimeFigureOut">
               <a:rPr lang="ko-KR" altLang="en-US" smtClean="0"/>
-              <a:t>2022-12-22</a:t>
+              <a:t>2022-12-28</a:t>
             </a:fld>
             <a:endParaRPr lang="ko-KR" altLang="en-US"/>
           </a:p>
@@ -395,7 +395,7 @@
           <a:p>
             <a:fld id="{95336A0E-57B1-4D4C-BD9B-2F72B5943464}" type="datetimeFigureOut">
               <a:rPr lang="ko-KR" altLang="en-US" smtClean="0"/>
-              <a:t>2022-12-22</a:t>
+              <a:t>2022-12-28</a:t>
             </a:fld>
             <a:endParaRPr lang="ko-KR" altLang="en-US"/>
           </a:p>
@@ -757,7 +757,7 @@
           <a:effectLst/>
           <a:extLst>
             <a:ext uri="{91240B29-F687-4f45-9708-019B960494DF}">
-              <a14:hiddenLine xmlns:a14="http://schemas.microsoft.com/office/drawing/2010/main" xmlns="" w="9525">
+              <a14:hiddenLine xmlns="" xmlns:a14="http://schemas.microsoft.com/office/drawing/2010/main" w="9525">
                 <a:solidFill>
                   <a:srgbClr val="000000"/>
                 </a:solidFill>
@@ -949,7 +949,7 @@
           <a:p>
             <a:fld id="{DEA6EBF0-8E22-42A7-9BEA-2AC7066E6498}" type="datetimeFigureOut">
               <a:rPr lang="ko-KR" altLang="en-US" smtClean="0"/>
-              <a:t>2022-12-22</a:t>
+              <a:t>2022-12-28</a:t>
             </a:fld>
             <a:endParaRPr lang="ko-KR" altLang="en-US"/>
           </a:p>
@@ -1267,7 +1267,7 @@
           <a:p>
             <a:fld id="{DEA6EBF0-8E22-42A7-9BEA-2AC7066E6498}" type="datetimeFigureOut">
               <a:rPr lang="ko-KR" altLang="en-US" smtClean="0"/>
-              <a:t>2022-12-22</a:t>
+              <a:t>2022-12-28</a:t>
             </a:fld>
             <a:endParaRPr lang="ko-KR" altLang="en-US"/>
           </a:p>
@@ -1755,7 +1755,7 @@
           <a:p>
             <a:fld id="{DEA6EBF0-8E22-42A7-9BEA-2AC7066E6498}" type="datetimeFigureOut">
               <a:rPr lang="ko-KR" altLang="en-US" smtClean="0"/>
-              <a:t>2022-12-22</a:t>
+              <a:t>2022-12-28</a:t>
             </a:fld>
             <a:endParaRPr lang="ko-KR" altLang="en-US"/>
           </a:p>
@@ -2124,7 +2124,7 @@
           <a:p>
             <a:fld id="{DEA6EBF0-8E22-42A7-9BEA-2AC7066E6498}" type="datetimeFigureOut">
               <a:rPr lang="ko-KR" altLang="en-US" smtClean="0"/>
-              <a:t>2022-12-22</a:t>
+              <a:t>2022-12-28</a:t>
             </a:fld>
             <a:endParaRPr lang="ko-KR" altLang="en-US"/>
           </a:p>
@@ -2279,7 +2279,7 @@
           <a:ln/>
           <a:extLst>
             <a:ext uri="{91240B29-F687-4f45-9708-019B960494DF}">
-              <a14:hiddenLine xmlns:a14="http://schemas.microsoft.com/office/drawing/2010/main" xmlns="" w="9525">
+              <a14:hiddenLine xmlns="" xmlns:a14="http://schemas.microsoft.com/office/drawing/2010/main" w="9525">
                 <a:solidFill>
                   <a:srgbClr val="000000"/>
                 </a:solidFill>
@@ -2397,7 +2397,7 @@
           <a:p>
             <a:fld id="{DEA6EBF0-8E22-42A7-9BEA-2AC7066E6498}" type="datetimeFigureOut">
               <a:rPr lang="ko-KR" altLang="en-US" smtClean="0"/>
-              <a:t>2022-12-22</a:t>
+              <a:t>2022-12-28</a:t>
             </a:fld>
             <a:endParaRPr lang="ko-KR" altLang="en-US"/>
           </a:p>
@@ -2554,7 +2554,7 @@
           <a:ln/>
           <a:extLst>
             <a:ext uri="{91240B29-F687-4f45-9708-019B960494DF}">
-              <a14:hiddenLine xmlns:a14="http://schemas.microsoft.com/office/drawing/2010/main" xmlns="" w="9525">
+              <a14:hiddenLine xmlns="" xmlns:a14="http://schemas.microsoft.com/office/drawing/2010/main" w="9525">
                 <a:solidFill>
                   <a:srgbClr val="000000"/>
                 </a:solidFill>
@@ -2682,7 +2682,7 @@
           <a:p>
             <a:fld id="{DEA6EBF0-8E22-42A7-9BEA-2AC7066E6498}" type="datetimeFigureOut">
               <a:rPr lang="ko-KR" altLang="en-US" smtClean="0"/>
-              <a:t>2022-12-22</a:t>
+              <a:t>2022-12-28</a:t>
             </a:fld>
             <a:endParaRPr lang="ko-KR" altLang="en-US"/>
           </a:p>
@@ -2800,7 +2800,7 @@
           <a:p>
             <a:fld id="{DEA6EBF0-8E22-42A7-9BEA-2AC7066E6498}" type="datetimeFigureOut">
               <a:rPr lang="ko-KR" altLang="en-US" smtClean="0"/>
-              <a:t>2022-12-22</a:t>
+              <a:t>2022-12-28</a:t>
             </a:fld>
             <a:endParaRPr lang="ko-KR" altLang="en-US"/>
           </a:p>
@@ -2955,7 +2955,7 @@
           <a:ln/>
           <a:extLst>
             <a:ext uri="{91240B29-F687-4f45-9708-019B960494DF}">
-              <a14:hiddenLine xmlns:a14="http://schemas.microsoft.com/office/drawing/2010/main" xmlns="" w="9525">
+              <a14:hiddenLine xmlns="" xmlns:a14="http://schemas.microsoft.com/office/drawing/2010/main" w="9525">
                 <a:solidFill>
                   <a:srgbClr val="000000"/>
                 </a:solidFill>
@@ -3083,7 +3083,7 @@
           <a:p>
             <a:fld id="{DEA6EBF0-8E22-42A7-9BEA-2AC7066E6498}" type="datetimeFigureOut">
               <a:rPr lang="ko-KR" altLang="en-US" smtClean="0"/>
-              <a:t>2022-12-22</a:t>
+              <a:t>2022-12-28</a:t>
             </a:fld>
             <a:endParaRPr lang="ko-KR" altLang="en-US"/>
           </a:p>
@@ -3426,7 +3426,7 @@
           <a:p>
             <a:fld id="{DEA6EBF0-8E22-42A7-9BEA-2AC7066E6498}" type="datetimeFigureOut">
               <a:rPr lang="ko-KR" altLang="en-US" smtClean="0"/>
-              <a:t>2022-12-22</a:t>
+              <a:t>2022-12-28</a:t>
             </a:fld>
             <a:endParaRPr lang="ko-KR" altLang="en-US"/>
           </a:p>
@@ -3581,7 +3581,7 @@
           <a:ln/>
           <a:extLst>
             <a:ext uri="{91240B29-F687-4f45-9708-019B960494DF}">
-              <a14:hiddenLine xmlns:a14="http://schemas.microsoft.com/office/drawing/2010/main" xmlns="" w="9525">
+              <a14:hiddenLine xmlns="" xmlns:a14="http://schemas.microsoft.com/office/drawing/2010/main" w="9525">
                 <a:solidFill>
                   <a:srgbClr val="000000"/>
                 </a:solidFill>
@@ -3765,7 +3765,7 @@
           <a:p>
             <a:fld id="{DEA6EBF0-8E22-42A7-9BEA-2AC7066E6498}" type="datetimeFigureOut">
               <a:rPr lang="ko-KR" altLang="en-US" smtClean="0"/>
-              <a:t>2022-12-22</a:t>
+              <a:t>2022-12-28</a:t>
             </a:fld>
             <a:endParaRPr lang="ko-KR" altLang="en-US"/>
           </a:p>
@@ -3920,7 +3920,7 @@
           <a:ln/>
           <a:extLst>
             <a:ext uri="{91240B29-F687-4f45-9708-019B960494DF}">
-              <a14:hiddenLine xmlns:a14="http://schemas.microsoft.com/office/drawing/2010/main" xmlns="" w="9525">
+              <a14:hiddenLine xmlns="" xmlns:a14="http://schemas.microsoft.com/office/drawing/2010/main" w="9525">
                 <a:solidFill>
                   <a:srgbClr val="000000"/>
                 </a:solidFill>
@@ -4242,7 +4242,7 @@
           <a:p>
             <a:fld id="{DEA6EBF0-8E22-42A7-9BEA-2AC7066E6498}" type="datetimeFigureOut">
               <a:rPr lang="ko-KR" altLang="en-US" smtClean="0"/>
-              <a:t>2022-12-22</a:t>
+              <a:t>2022-12-28</a:t>
             </a:fld>
             <a:endParaRPr lang="ko-KR" altLang="en-US"/>
           </a:p>
@@ -4337,7 +4337,7 @@
           <a:p>
             <a:fld id="{DEA6EBF0-8E22-42A7-9BEA-2AC7066E6498}" type="datetimeFigureOut">
               <a:rPr lang="ko-KR" altLang="en-US" smtClean="0"/>
-              <a:t>2022-12-22</a:t>
+              <a:t>2022-12-28</a:t>
             </a:fld>
             <a:endParaRPr lang="ko-KR" altLang="en-US"/>
           </a:p>
@@ -4605,7 +4605,7 @@
           <a:ln/>
           <a:extLst>
             <a:ext uri="{91240B29-F687-4f45-9708-019B960494DF}">
-              <a14:hiddenLine xmlns:a14="http://schemas.microsoft.com/office/drawing/2010/main" xmlns="" w="9525">
+              <a14:hiddenLine xmlns="" xmlns:a14="http://schemas.microsoft.com/office/drawing/2010/main" w="9525">
                 <a:solidFill>
                   <a:srgbClr val="000000"/>
                 </a:solidFill>
@@ -4804,7 +4804,7 @@
           <a:p>
             <a:fld id="{DEA6EBF0-8E22-42A7-9BEA-2AC7066E6498}" type="datetimeFigureOut">
               <a:rPr lang="ko-KR" altLang="en-US" smtClean="0"/>
-              <a:t>2022-12-22</a:t>
+              <a:t>2022-12-28</a:t>
             </a:fld>
             <a:endParaRPr lang="ko-KR" altLang="en-US"/>
           </a:p>
@@ -5117,7 +5117,7 @@
           <a:p>
             <a:fld id="{DEA6EBF0-8E22-42A7-9BEA-2AC7066E6498}" type="datetimeFigureOut">
               <a:rPr lang="ko-KR" altLang="en-US" smtClean="0"/>
-              <a:t>2022-12-22</a:t>
+              <a:t>2022-12-28</a:t>
             </a:fld>
             <a:endParaRPr lang="ko-KR" altLang="en-US"/>
           </a:p>
@@ -5387,7 +5387,7 @@
           <a:p>
             <a:fld id="{DEA6EBF0-8E22-42A7-9BEA-2AC7066E6498}" type="datetimeFigureOut">
               <a:rPr lang="ko-KR" altLang="en-US" smtClean="0"/>
-              <a:t>2022-12-22</a:t>
+              <a:t>2022-12-28</a:t>
             </a:fld>
             <a:endParaRPr lang="ko-KR" altLang="en-US"/>
           </a:p>
@@ -6480,6 +6480,64 @@
                 </a:solidFill>
               </a:rPr>
               <a:t>EMG2</a:t>
+            </a:r>
+            <a:endParaRPr lang="ko-KR" altLang="en-US" dirty="0">
+              <a:solidFill>
+                <a:schemeClr val="tx1"/>
+              </a:solidFill>
+            </a:endParaRPr>
+          </a:p>
+        </p:txBody>
+      </p:sp>
+      <p:sp>
+        <p:nvSpPr>
+          <p:cNvPr id="4" name="막힌 원호 3">
+            <a:extLst>
+              <a:ext uri="{FF2B5EF4-FFF2-40B4-BE49-F238E27FC236}">
+                <a16:creationId xmlns:a16="http://schemas.microsoft.com/office/drawing/2014/main" id="{CE9BCABB-FC0D-6949-83CC-BC1D52DA2C73}"/>
+              </a:ext>
+            </a:extLst>
+          </p:cNvPr>
+          <p:cNvSpPr/>
+          <p:nvPr/>
+        </p:nvSpPr>
+        <p:spPr>
+          <a:xfrm>
+            <a:off x="4148287" y="2448232"/>
+            <a:ext cx="1673524" cy="2212258"/>
+          </a:xfrm>
+          <a:prstGeom prst="blockArc">
+            <a:avLst/>
+          </a:prstGeom>
+        </p:spPr>
+        <p:style>
+          <a:lnRef idx="2">
+            <a:schemeClr val="accent1">
+              <a:shade val="50000"/>
+            </a:schemeClr>
+          </a:lnRef>
+          <a:fillRef idx="1">
+            <a:schemeClr val="accent1"/>
+          </a:fillRef>
+          <a:effectRef idx="0">
+            <a:schemeClr val="accent1"/>
+          </a:effectRef>
+          <a:fontRef idx="minor">
+            <a:schemeClr val="lt1"/>
+          </a:fontRef>
+        </p:style>
+        <p:txBody>
+          <a:bodyPr rtlCol="0" anchor="ctr"/>
+          <a:lstStyle/>
+          <a:p>
+            <a:pPr algn="ctr"/>
+            <a:r>
+              <a:rPr lang="en-US" altLang="ko-KR" dirty="0" err="1">
+                <a:solidFill>
+                  <a:schemeClr val="tx1"/>
+                </a:solidFill>
+              </a:rPr>
+              <a:t>AUTOMODE1</a:t>
             </a:r>
             <a:endParaRPr lang="ko-KR" altLang="en-US" dirty="0">
               <a:solidFill>

--- a/DsDotNet/src/UnitTest/UnitTest.Engine/ImportOffice/ppt/T10_Button.pptx
+++ b/DsDotNet/src/UnitTest/UnitTest.Engine/ImportOffice/ppt/T10_Button.pptx
@@ -757,7 +757,7 @@
           <a:effectLst/>
           <a:extLst>
             <a:ext uri="{91240B29-F687-4f45-9708-019B960494DF}">
-              <a14:hiddenLine xmlns="" xmlns:a14="http://schemas.microsoft.com/office/drawing/2010/main" w="9525">
+              <a14:hiddenLine xmlns:a14="http://schemas.microsoft.com/office/drawing/2010/main" xmlns="" w="9525">
                 <a:solidFill>
                   <a:srgbClr val="000000"/>
                 </a:solidFill>
@@ -2279,7 +2279,7 @@
           <a:ln/>
           <a:extLst>
             <a:ext uri="{91240B29-F687-4f45-9708-019B960494DF}">
-              <a14:hiddenLine xmlns="" xmlns:a14="http://schemas.microsoft.com/office/drawing/2010/main" w="9525">
+              <a14:hiddenLine xmlns:a14="http://schemas.microsoft.com/office/drawing/2010/main" xmlns="" w="9525">
                 <a:solidFill>
                   <a:srgbClr val="000000"/>
                 </a:solidFill>
@@ -2554,7 +2554,7 @@
           <a:ln/>
           <a:extLst>
             <a:ext uri="{91240B29-F687-4f45-9708-019B960494DF}">
-              <a14:hiddenLine xmlns="" xmlns:a14="http://schemas.microsoft.com/office/drawing/2010/main" w="9525">
+              <a14:hiddenLine xmlns:a14="http://schemas.microsoft.com/office/drawing/2010/main" xmlns="" w="9525">
                 <a:solidFill>
                   <a:srgbClr val="000000"/>
                 </a:solidFill>
@@ -2955,7 +2955,7 @@
           <a:ln/>
           <a:extLst>
             <a:ext uri="{91240B29-F687-4f45-9708-019B960494DF}">
-              <a14:hiddenLine xmlns="" xmlns:a14="http://schemas.microsoft.com/office/drawing/2010/main" w="9525">
+              <a14:hiddenLine xmlns:a14="http://schemas.microsoft.com/office/drawing/2010/main" xmlns="" w="9525">
                 <a:solidFill>
                   <a:srgbClr val="000000"/>
                 </a:solidFill>
@@ -3581,7 +3581,7 @@
           <a:ln/>
           <a:extLst>
             <a:ext uri="{91240B29-F687-4f45-9708-019B960494DF}">
-              <a14:hiddenLine xmlns="" xmlns:a14="http://schemas.microsoft.com/office/drawing/2010/main" w="9525">
+              <a14:hiddenLine xmlns:a14="http://schemas.microsoft.com/office/drawing/2010/main" xmlns="" w="9525">
                 <a:solidFill>
                   <a:srgbClr val="000000"/>
                 </a:solidFill>
@@ -3920,7 +3920,7 @@
           <a:ln/>
           <a:extLst>
             <a:ext uri="{91240B29-F687-4f45-9708-019B960494DF}">
-              <a14:hiddenLine xmlns="" xmlns:a14="http://schemas.microsoft.com/office/drawing/2010/main" w="9525">
+              <a14:hiddenLine xmlns:a14="http://schemas.microsoft.com/office/drawing/2010/main" xmlns="" w="9525">
                 <a:solidFill>
                   <a:srgbClr val="000000"/>
                 </a:solidFill>
@@ -4605,7 +4605,7 @@
           <a:ln/>
           <a:extLst>
             <a:ext uri="{91240B29-F687-4f45-9708-019B960494DF}">
-              <a14:hiddenLine xmlns="" xmlns:a14="http://schemas.microsoft.com/office/drawing/2010/main" w="9525">
+              <a14:hiddenLine xmlns:a14="http://schemas.microsoft.com/office/drawing/2010/main" xmlns="" w="9525">
                 <a:solidFill>
                   <a:srgbClr val="000000"/>
                 </a:solidFill>
@@ -6008,10 +6008,10 @@
       </p:sp>
       <p:sp>
         <p:nvSpPr>
-          <p:cNvPr id="3" name="&quot;허용 안 됨&quot; 기호 2">
+          <p:cNvPr id="4" name="사각형: 빗면 3">
             <a:extLst>
               <a:ext uri="{FF2B5EF4-FFF2-40B4-BE49-F238E27FC236}">
-                <a16:creationId xmlns:a16="http://schemas.microsoft.com/office/drawing/2014/main" id="{71150BE1-6B5C-1750-73A3-25D64C876AFF}"/>
+                <a16:creationId xmlns:a16="http://schemas.microsoft.com/office/drawing/2014/main" id="{43F727FF-A1DD-341C-11C2-1AF95E71B98C}"/>
               </a:ext>
             </a:extLst>
           </p:cNvPr>
@@ -6020,11 +6020,13 @@
         </p:nvSpPr>
         <p:spPr>
           <a:xfrm>
-            <a:off x="9841012" y="2347597"/>
-            <a:ext cx="1772204" cy="1690778"/>
+            <a:off x="1658871" y="2561303"/>
+            <a:ext cx="3591555" cy="3534697"/>
           </a:xfrm>
-          <a:prstGeom prst="noSmoking">
-            <a:avLst/>
+          <a:prstGeom prst="bevel">
+            <a:avLst>
+              <a:gd name="adj" fmla="val 16754"/>
+            </a:avLst>
           </a:prstGeom>
           <a:ln>
             <a:solidFill>
@@ -6054,18 +6056,199 @@
           <a:p>
             <a:pPr algn="ctr"/>
             <a:r>
-              <a:rPr lang="en-US" altLang="ko-KR" dirty="0" err="1">
+              <a:rPr lang="en-US" altLang="ko-KR" dirty="0">
                 <a:solidFill>
-                  <a:schemeClr val="tx1"/>
+                  <a:schemeClr val="bg2"/>
                 </a:solidFill>
               </a:rPr>
-              <a:t>EMG1</a:t>
-            </a:r>
-            <a:endParaRPr lang="ko-KR" altLang="en-US" dirty="0">
+              <a:t>A[autoBtn1]</a:t>
+            </a:r>
+          </a:p>
+          <a:p>
+            <a:pPr algn="ctr"/>
+            <a:r>
+              <a:rPr lang="en-US" altLang="ko-KR" dirty="0">
+                <a:solidFill>
+                  <a:schemeClr val="bg2"/>
+                </a:solidFill>
+              </a:rPr>
+              <a:t>M[manualBtn1]</a:t>
+            </a:r>
+          </a:p>
+          <a:p>
+            <a:pPr algn="ctr"/>
+            <a:r>
+              <a:rPr lang="en-US" altLang="ko-KR" dirty="0">
+                <a:solidFill>
+                  <a:schemeClr val="bg2"/>
+                </a:solidFill>
+              </a:rPr>
+              <a:t>E[emgBtn1]</a:t>
+            </a:r>
+          </a:p>
+          <a:p>
+            <a:pPr algn="ctr"/>
+            <a:r>
+              <a:rPr lang="en-US" altLang="ko-KR" dirty="0">
+                <a:solidFill>
+                  <a:schemeClr val="bg2"/>
+                </a:solidFill>
+              </a:rPr>
+              <a:t>S[stopBtn1]</a:t>
+            </a:r>
+          </a:p>
+          <a:p>
+            <a:pPr algn="ctr"/>
+            <a:r>
+              <a:rPr lang="en-US" altLang="ko-KR" dirty="0">
+                <a:solidFill>
+                  <a:schemeClr val="bg2"/>
+                </a:solidFill>
+              </a:rPr>
+              <a:t>C[clearBtn1]</a:t>
+            </a:r>
+          </a:p>
+          <a:p>
+            <a:pPr algn="ctr"/>
+            <a:r>
+              <a:rPr lang="en-US" altLang="ko-KR" dirty="0">
+                <a:solidFill>
+                  <a:schemeClr val="bg2"/>
+                </a:solidFill>
+              </a:rPr>
+              <a:t>R[runBtn1]</a:t>
+            </a:r>
+          </a:p>
+          <a:p>
+            <a:pPr algn="ctr"/>
+            <a:r>
+              <a:rPr lang="en-US" altLang="ko-KR" dirty="0">
+                <a:solidFill>
+                  <a:schemeClr val="bg2"/>
+                </a:solidFill>
+              </a:rPr>
+              <a:t>D[dryrunBtn1]</a:t>
+            </a:r>
+          </a:p>
+          <a:p>
+            <a:pPr algn="ctr"/>
+            <a:r>
+              <a:rPr lang="en-US" altLang="ko-KR" dirty="0">
+                <a:solidFill>
+                  <a:schemeClr val="bg2"/>
+                </a:solidFill>
+              </a:rPr>
+              <a:t>H[homeBtn1]</a:t>
+            </a:r>
+            <a:endParaRPr lang="en-US" altLang="ko-KR" sz="1400" dirty="0">
               <a:solidFill>
-                <a:schemeClr val="tx1"/>
+                <a:schemeClr val="bg2"/>
               </a:solidFill>
             </a:endParaRPr>
+          </a:p>
+        </p:txBody>
+      </p:sp>
+      <p:sp>
+        <p:nvSpPr>
+          <p:cNvPr id="5" name="사각형: 빗면 4">
+            <a:extLst>
+              <a:ext uri="{FF2B5EF4-FFF2-40B4-BE49-F238E27FC236}">
+                <a16:creationId xmlns:a16="http://schemas.microsoft.com/office/drawing/2014/main" id="{CC109A94-E99B-595B-64CD-E549C28F0B12}"/>
+              </a:ext>
+            </a:extLst>
+          </p:cNvPr>
+          <p:cNvSpPr/>
+          <p:nvPr/>
+        </p:nvSpPr>
+        <p:spPr>
+          <a:xfrm>
+            <a:off x="6427516" y="2561302"/>
+            <a:ext cx="3591555" cy="3534697"/>
+          </a:xfrm>
+          <a:prstGeom prst="bevel">
+            <a:avLst>
+              <a:gd name="adj" fmla="val 0"/>
+            </a:avLst>
+          </a:prstGeom>
+          <a:ln>
+            <a:solidFill>
+              <a:schemeClr val="tx1"/>
+            </a:solidFill>
+          </a:ln>
+        </p:spPr>
+        <p:style>
+          <a:lnRef idx="2">
+            <a:schemeClr val="accent1">
+              <a:shade val="50000"/>
+            </a:schemeClr>
+          </a:lnRef>
+          <a:fillRef idx="1">
+            <a:schemeClr val="accent1"/>
+          </a:fillRef>
+          <a:effectRef idx="0">
+            <a:schemeClr val="accent1"/>
+          </a:effectRef>
+          <a:fontRef idx="minor">
+            <a:schemeClr val="lt1"/>
+          </a:fontRef>
+        </p:style>
+        <p:txBody>
+          <a:bodyPr rtlCol="0" anchor="ctr"/>
+          <a:lstStyle/>
+          <a:p>
+            <a:pPr algn="ctr"/>
+            <a:r>
+              <a:rPr lang="en-US" altLang="ko-KR" dirty="0">
+                <a:solidFill>
+                  <a:schemeClr val="bg2"/>
+                </a:solidFill>
+              </a:rPr>
+              <a:t>R[runLamp1]</a:t>
+            </a:r>
+          </a:p>
+          <a:p>
+            <a:pPr algn="ctr"/>
+            <a:r>
+              <a:rPr lang="en-US" altLang="ko-KR" dirty="0">
+                <a:solidFill>
+                  <a:schemeClr val="bg2"/>
+                </a:solidFill>
+              </a:rPr>
+              <a:t>S[stopLamp1]</a:t>
+            </a:r>
+          </a:p>
+          <a:p>
+            <a:pPr algn="ctr"/>
+            <a:r>
+              <a:rPr lang="en-US" altLang="ko-KR" dirty="0">
+                <a:solidFill>
+                  <a:schemeClr val="bg2"/>
+                </a:solidFill>
+              </a:rPr>
+              <a:t>M[manualLamp1]</a:t>
+            </a:r>
+          </a:p>
+          <a:p>
+            <a:pPr algn="ctr"/>
+            <a:r>
+              <a:rPr lang="en-US" altLang="ko-KR" dirty="0">
+                <a:solidFill>
+                  <a:schemeClr val="bg2"/>
+                </a:solidFill>
+              </a:rPr>
+              <a:t>E[emgLamp1]</a:t>
+            </a:r>
+          </a:p>
+          <a:p>
+            <a:pPr algn="ctr"/>
+            <a:r>
+              <a:rPr lang="en-US" altLang="ko-KR" dirty="0">
+                <a:solidFill>
+                  <a:schemeClr val="bg2"/>
+                </a:solidFill>
+              </a:rPr>
+              <a:t>D[dryrunLamp1]</a:t>
+            </a:r>
           </a:p>
         </p:txBody>
       </p:sp>
@@ -6130,10 +6313,10 @@
       </p:sp>
       <p:sp>
         <p:nvSpPr>
-          <p:cNvPr id="3" name="&quot;허용 안 됨&quot; 기호 2">
+          <p:cNvPr id="6" name="사각형: 빗면 5">
             <a:extLst>
               <a:ext uri="{FF2B5EF4-FFF2-40B4-BE49-F238E27FC236}">
-                <a16:creationId xmlns:a16="http://schemas.microsoft.com/office/drawing/2014/main" id="{71150BE1-6B5C-1750-73A3-25D64C876AFF}"/>
+                <a16:creationId xmlns:a16="http://schemas.microsoft.com/office/drawing/2014/main" id="{179D1301-EB33-5C8F-C117-AB38042CC7C6}"/>
               </a:ext>
             </a:extLst>
           </p:cNvPr>
@@ -6142,11 +6325,13 @@
         </p:nvSpPr>
         <p:spPr>
           <a:xfrm>
-            <a:off x="9841012" y="2347597"/>
-            <a:ext cx="1772204" cy="1690778"/>
+            <a:off x="6427516" y="2561302"/>
+            <a:ext cx="3591555" cy="3534697"/>
           </a:xfrm>
-          <a:prstGeom prst="noSmoking">
-            <a:avLst/>
+          <a:prstGeom prst="bevel">
+            <a:avLst>
+              <a:gd name="adj" fmla="val 0"/>
+            </a:avLst>
           </a:prstGeom>
           <a:ln>
             <a:solidFill>
@@ -6178,192 +6363,33 @@
             <a:r>
               <a:rPr lang="en-US" altLang="ko-KR" dirty="0">
                 <a:solidFill>
-                  <a:schemeClr val="tx1"/>
+                  <a:schemeClr val="bg2"/>
                 </a:solidFill>
               </a:rPr>
-              <a:t>EMG1</a:t>
-            </a:r>
-            <a:endParaRPr lang="ko-KR" altLang="en-US" dirty="0">
-              <a:solidFill>
-                <a:schemeClr val="tx1"/>
-              </a:solidFill>
-            </a:endParaRPr>
-          </a:p>
-        </p:txBody>
-      </p:sp>
-      <p:sp>
-        <p:nvSpPr>
-          <p:cNvPr id="10" name="사각형: 빗면 9">
-            <a:extLst>
-              <a:ext uri="{FF2B5EF4-FFF2-40B4-BE49-F238E27FC236}">
-                <a16:creationId xmlns:a16="http://schemas.microsoft.com/office/drawing/2014/main" id="{8A720798-24E9-449D-3026-B2F852A7056C}"/>
-              </a:ext>
-            </a:extLst>
-          </p:cNvPr>
-          <p:cNvSpPr/>
-          <p:nvPr/>
-        </p:nvSpPr>
-        <p:spPr>
-          <a:xfrm>
-            <a:off x="8384543" y="2641405"/>
-            <a:ext cx="1104181" cy="1245933"/>
-          </a:xfrm>
-          <a:prstGeom prst="bevel">
-            <a:avLst/>
-          </a:prstGeom>
-          <a:ln>
-            <a:solidFill>
-              <a:schemeClr val="tx1"/>
-            </a:solidFill>
-          </a:ln>
-        </p:spPr>
-        <p:style>
-          <a:lnRef idx="2">
-            <a:schemeClr val="accent1">
-              <a:shade val="50000"/>
-            </a:schemeClr>
-          </a:lnRef>
-          <a:fillRef idx="1">
-            <a:schemeClr val="accent1"/>
-          </a:fillRef>
-          <a:effectRef idx="0">
-            <a:schemeClr val="accent1"/>
-          </a:effectRef>
-          <a:fontRef idx="minor">
-            <a:schemeClr val="lt1"/>
-          </a:fontRef>
-        </p:style>
-        <p:txBody>
-          <a:bodyPr rtlCol="0" anchor="ctr"/>
-          <a:lstStyle/>
-          <a:p>
-            <a:pPr algn="ctr"/>
-            <a:r>
-              <a:rPr lang="en-US" altLang="ko-KR" dirty="0" err="1"/>
-              <a:t>CLEAR1</a:t>
-            </a:r>
-            <a:endParaRPr lang="ko-KR" altLang="en-US" dirty="0"/>
-          </a:p>
-        </p:txBody>
-      </p:sp>
-      <p:sp>
-        <p:nvSpPr>
-          <p:cNvPr id="11" name="원형: 비어 있음 10">
-            <a:extLst>
-              <a:ext uri="{FF2B5EF4-FFF2-40B4-BE49-F238E27FC236}">
-                <a16:creationId xmlns:a16="http://schemas.microsoft.com/office/drawing/2014/main" id="{71F39176-5B54-BDCA-08DD-D38B0EA1599E}"/>
-              </a:ext>
-            </a:extLst>
-          </p:cNvPr>
-          <p:cNvSpPr/>
-          <p:nvPr/>
-        </p:nvSpPr>
-        <p:spPr>
-          <a:xfrm>
-            <a:off x="6362398" y="2347597"/>
-            <a:ext cx="1673524" cy="1690778"/>
-          </a:xfrm>
-          <a:prstGeom prst="donut">
-            <a:avLst/>
-          </a:prstGeom>
-          <a:ln>
-            <a:solidFill>
-              <a:schemeClr val="tx1"/>
-            </a:solidFill>
-          </a:ln>
-        </p:spPr>
-        <p:style>
-          <a:lnRef idx="2">
-            <a:schemeClr val="accent1">
-              <a:shade val="50000"/>
-            </a:schemeClr>
-          </a:lnRef>
-          <a:fillRef idx="1">
-            <a:schemeClr val="accent1"/>
-          </a:fillRef>
-          <a:effectRef idx="0">
-            <a:schemeClr val="accent1"/>
-          </a:effectRef>
-          <a:fontRef idx="minor">
-            <a:schemeClr val="lt1"/>
-          </a:fontRef>
-        </p:style>
-        <p:txBody>
-          <a:bodyPr rtlCol="0" anchor="ctr"/>
-          <a:lstStyle/>
+              <a:t>M[manualLamp2]</a:t>
+            </a:r>
+          </a:p>
           <a:p>
             <a:pPr algn="ctr"/>
             <a:r>
               <a:rPr lang="en-US" altLang="ko-KR" dirty="0">
                 <a:solidFill>
-                  <a:schemeClr val="tx1"/>
+                  <a:schemeClr val="bg2"/>
                 </a:solidFill>
               </a:rPr>
-              <a:t>START1</a:t>
-            </a:r>
-            <a:endParaRPr lang="ko-KR" altLang="en-US" dirty="0">
-              <a:solidFill>
-                <a:schemeClr val="tx1"/>
-              </a:solidFill>
-            </a:endParaRPr>
-          </a:p>
-        </p:txBody>
-      </p:sp>
-      <p:sp>
-        <p:nvSpPr>
-          <p:cNvPr id="5" name="막힌 원호 4">
-            <a:extLst>
-              <a:ext uri="{FF2B5EF4-FFF2-40B4-BE49-F238E27FC236}">
-                <a16:creationId xmlns:a16="http://schemas.microsoft.com/office/drawing/2014/main" id="{3DC57155-803E-E4DB-B6E9-9DE212A92BF5}"/>
-              </a:ext>
-            </a:extLst>
-          </p:cNvPr>
-          <p:cNvSpPr/>
-          <p:nvPr/>
-        </p:nvSpPr>
-        <p:spPr>
-          <a:xfrm>
-            <a:off x="4148287" y="2448232"/>
-            <a:ext cx="1673524" cy="2212258"/>
-          </a:xfrm>
-          <a:prstGeom prst="blockArc">
-            <a:avLst/>
-          </a:prstGeom>
-        </p:spPr>
-        <p:style>
-          <a:lnRef idx="2">
-            <a:schemeClr val="accent1">
-              <a:shade val="50000"/>
-            </a:schemeClr>
-          </a:lnRef>
-          <a:fillRef idx="1">
-            <a:schemeClr val="accent1"/>
-          </a:fillRef>
-          <a:effectRef idx="0">
-            <a:schemeClr val="accent1"/>
-          </a:effectRef>
-          <a:fontRef idx="minor">
-            <a:schemeClr val="lt1"/>
-          </a:fontRef>
-        </p:style>
-        <p:txBody>
-          <a:bodyPr rtlCol="0" anchor="ctr"/>
-          <a:lstStyle/>
+              <a:t>E[emgLamp2]</a:t>
+            </a:r>
+          </a:p>
           <a:p>
             <a:pPr algn="ctr"/>
             <a:r>
-              <a:rPr lang="en-US" altLang="ko-KR" dirty="0" err="1">
+              <a:rPr lang="en-US" altLang="ko-KR" dirty="0">
                 <a:solidFill>
-                  <a:schemeClr val="tx1"/>
+                  <a:schemeClr val="bg2"/>
                 </a:solidFill>
               </a:rPr>
-              <a:t>AUTOMODE1</a:t>
-            </a:r>
-            <a:endParaRPr lang="ko-KR" altLang="en-US" dirty="0">
-              <a:solidFill>
-                <a:schemeClr val="tx1"/>
-              </a:solidFill>
-            </a:endParaRPr>
+              <a:t>D[dryrunLamp2]</a:t>
+            </a:r>
           </a:p>
         </p:txBody>
       </p:sp>
@@ -6428,10 +6454,10 @@
       </p:sp>
       <p:sp>
         <p:nvSpPr>
-          <p:cNvPr id="3" name="&quot;허용 안 됨&quot; 기호 2">
+          <p:cNvPr id="5" name="사각형: 빗면 4">
             <a:extLst>
               <a:ext uri="{FF2B5EF4-FFF2-40B4-BE49-F238E27FC236}">
-                <a16:creationId xmlns:a16="http://schemas.microsoft.com/office/drawing/2014/main" id="{71150BE1-6B5C-1750-73A3-25D64C876AFF}"/>
+                <a16:creationId xmlns:a16="http://schemas.microsoft.com/office/drawing/2014/main" id="{81AAB7B2-B068-5B25-F285-59730A543C1C}"/>
               </a:ext>
             </a:extLst>
           </p:cNvPr>
@@ -6440,11 +6466,13 @@
         </p:nvSpPr>
         <p:spPr>
           <a:xfrm>
-            <a:off x="9525006" y="2461896"/>
-            <a:ext cx="1772204" cy="1690778"/>
+            <a:off x="1658871" y="2561303"/>
+            <a:ext cx="3591555" cy="3534697"/>
           </a:xfrm>
-          <a:prstGeom prst="noSmoking">
-            <a:avLst/>
+          <a:prstGeom prst="bevel">
+            <a:avLst>
+              <a:gd name="adj" fmla="val 16754"/>
+            </a:avLst>
           </a:prstGeom>
           <a:ln>
             <a:solidFill>
@@ -6476,74 +6504,44 @@
             <a:r>
               <a:rPr lang="en-US" altLang="ko-KR" dirty="0">
                 <a:solidFill>
-                  <a:schemeClr val="tx1"/>
+                  <a:schemeClr val="bg2"/>
                 </a:solidFill>
               </a:rPr>
-              <a:t>EMG2</a:t>
-            </a:r>
-            <a:endParaRPr lang="ko-KR" altLang="en-US" dirty="0">
-              <a:solidFill>
-                <a:schemeClr val="tx1"/>
-              </a:solidFill>
-            </a:endParaRPr>
-          </a:p>
-        </p:txBody>
-      </p:sp>
-      <p:sp>
-        <p:nvSpPr>
-          <p:cNvPr id="4" name="막힌 원호 3">
-            <a:extLst>
-              <a:ext uri="{FF2B5EF4-FFF2-40B4-BE49-F238E27FC236}">
-                <a16:creationId xmlns:a16="http://schemas.microsoft.com/office/drawing/2014/main" id="{CE9BCABB-FC0D-6949-83CC-BC1D52DA2C73}"/>
-              </a:ext>
-            </a:extLst>
-          </p:cNvPr>
-          <p:cNvSpPr/>
-          <p:nvPr/>
-        </p:nvSpPr>
-        <p:spPr>
-          <a:xfrm>
-            <a:off x="4148287" y="2448232"/>
-            <a:ext cx="1673524" cy="2212258"/>
-          </a:xfrm>
-          <a:prstGeom prst="blockArc">
-            <a:avLst/>
-          </a:prstGeom>
-        </p:spPr>
-        <p:style>
-          <a:lnRef idx="2">
-            <a:schemeClr val="accent1">
-              <a:shade val="50000"/>
-            </a:schemeClr>
-          </a:lnRef>
-          <a:fillRef idx="1">
-            <a:schemeClr val="accent1"/>
-          </a:fillRef>
-          <a:effectRef idx="0">
-            <a:schemeClr val="accent1"/>
-          </a:effectRef>
-          <a:fontRef idx="minor">
-            <a:schemeClr val="lt1"/>
-          </a:fontRef>
-        </p:style>
-        <p:txBody>
-          <a:bodyPr rtlCol="0" anchor="ctr"/>
-          <a:lstStyle/>
+              <a:t>A[autoBtn1]</a:t>
+            </a:r>
+          </a:p>
           <a:p>
             <a:pPr algn="ctr"/>
             <a:r>
-              <a:rPr lang="en-US" altLang="ko-KR" dirty="0" err="1">
+              <a:rPr lang="en-US" altLang="ko-KR" dirty="0">
                 <a:solidFill>
-                  <a:schemeClr val="tx1"/>
+                  <a:schemeClr val="bg2"/>
                 </a:solidFill>
               </a:rPr>
-              <a:t>AUTOMODE1</a:t>
-            </a:r>
-            <a:endParaRPr lang="ko-KR" altLang="en-US" dirty="0">
-              <a:solidFill>
-                <a:schemeClr val="tx1"/>
-              </a:solidFill>
-            </a:endParaRPr>
+              <a:t>M[manualBtn1]</a:t>
+            </a:r>
+          </a:p>
+          <a:p>
+            <a:pPr algn="ctr"/>
+            <a:r>
+              <a:rPr lang="en-US" altLang="ko-KR" dirty="0">
+                <a:solidFill>
+                  <a:schemeClr val="bg2"/>
+                </a:solidFill>
+              </a:rPr>
+              <a:t>E[emgBtn2]</a:t>
+            </a:r>
+          </a:p>
+          <a:p>
+            <a:pPr algn="ctr"/>
+            <a:r>
+              <a:rPr lang="en-US" altLang="ko-KR" dirty="0">
+                <a:solidFill>
+                  <a:schemeClr val="bg2"/>
+                </a:solidFill>
+              </a:rPr>
+              <a:t>S[stopBtn2]</a:t>
+            </a:r>
           </a:p>
         </p:txBody>
       </p:sp>

--- a/DsDotNet/src/UnitTest/UnitTest.Engine/ImportOffice/ppt/T10_Button.pptx
+++ b/DsDotNet/src/UnitTest/UnitTest.Engine/ImportOffice/ppt/T10_Button.pptx
@@ -218,7 +218,7 @@
           <a:p>
             <a:fld id="{DD503887-5801-43A0-AEF9-041E8DDC2558}" type="datetimeFigureOut">
               <a:rPr lang="ko-KR" altLang="en-US" smtClean="0"/>
-              <a:t>2022-12-28</a:t>
+              <a:t>2023-01-12</a:t>
             </a:fld>
             <a:endParaRPr lang="ko-KR" altLang="en-US"/>
           </a:p>
@@ -395,7 +395,7 @@
           <a:p>
             <a:fld id="{95336A0E-57B1-4D4C-BD9B-2F72B5943464}" type="datetimeFigureOut">
               <a:rPr lang="ko-KR" altLang="en-US" smtClean="0"/>
-              <a:t>2022-12-28</a:t>
+              <a:t>2023-01-12</a:t>
             </a:fld>
             <a:endParaRPr lang="ko-KR" altLang="en-US"/>
           </a:p>
@@ -757,7 +757,7 @@
           <a:effectLst/>
           <a:extLst>
             <a:ext uri="{91240B29-F687-4f45-9708-019B960494DF}">
-              <a14:hiddenLine xmlns:a14="http://schemas.microsoft.com/office/drawing/2010/main" xmlns="" w="9525">
+              <a14:hiddenLine xmlns="" xmlns:a14="http://schemas.microsoft.com/office/drawing/2010/main" w="9525">
                 <a:solidFill>
                   <a:srgbClr val="000000"/>
                 </a:solidFill>
@@ -949,7 +949,7 @@
           <a:p>
             <a:fld id="{DEA6EBF0-8E22-42A7-9BEA-2AC7066E6498}" type="datetimeFigureOut">
               <a:rPr lang="ko-KR" altLang="en-US" smtClean="0"/>
-              <a:t>2022-12-28</a:t>
+              <a:t>2023-01-12</a:t>
             </a:fld>
             <a:endParaRPr lang="ko-KR" altLang="en-US"/>
           </a:p>
@@ -1267,7 +1267,7 @@
           <a:p>
             <a:fld id="{DEA6EBF0-8E22-42A7-9BEA-2AC7066E6498}" type="datetimeFigureOut">
               <a:rPr lang="ko-KR" altLang="en-US" smtClean="0"/>
-              <a:t>2022-12-28</a:t>
+              <a:t>2023-01-12</a:t>
             </a:fld>
             <a:endParaRPr lang="ko-KR" altLang="en-US"/>
           </a:p>
@@ -1755,7 +1755,7 @@
           <a:p>
             <a:fld id="{DEA6EBF0-8E22-42A7-9BEA-2AC7066E6498}" type="datetimeFigureOut">
               <a:rPr lang="ko-KR" altLang="en-US" smtClean="0"/>
-              <a:t>2022-12-28</a:t>
+              <a:t>2023-01-12</a:t>
             </a:fld>
             <a:endParaRPr lang="ko-KR" altLang="en-US"/>
           </a:p>
@@ -2124,7 +2124,7 @@
           <a:p>
             <a:fld id="{DEA6EBF0-8E22-42A7-9BEA-2AC7066E6498}" type="datetimeFigureOut">
               <a:rPr lang="ko-KR" altLang="en-US" smtClean="0"/>
-              <a:t>2022-12-28</a:t>
+              <a:t>2023-01-12</a:t>
             </a:fld>
             <a:endParaRPr lang="ko-KR" altLang="en-US"/>
           </a:p>
@@ -2279,7 +2279,7 @@
           <a:ln/>
           <a:extLst>
             <a:ext uri="{91240B29-F687-4f45-9708-019B960494DF}">
-              <a14:hiddenLine xmlns:a14="http://schemas.microsoft.com/office/drawing/2010/main" xmlns="" w="9525">
+              <a14:hiddenLine xmlns="" xmlns:a14="http://schemas.microsoft.com/office/drawing/2010/main" w="9525">
                 <a:solidFill>
                   <a:srgbClr val="000000"/>
                 </a:solidFill>
@@ -2397,7 +2397,7 @@
           <a:p>
             <a:fld id="{DEA6EBF0-8E22-42A7-9BEA-2AC7066E6498}" type="datetimeFigureOut">
               <a:rPr lang="ko-KR" altLang="en-US" smtClean="0"/>
-              <a:t>2022-12-28</a:t>
+              <a:t>2023-01-12</a:t>
             </a:fld>
             <a:endParaRPr lang="ko-KR" altLang="en-US"/>
           </a:p>
@@ -2554,7 +2554,7 @@
           <a:ln/>
           <a:extLst>
             <a:ext uri="{91240B29-F687-4f45-9708-019B960494DF}">
-              <a14:hiddenLine xmlns:a14="http://schemas.microsoft.com/office/drawing/2010/main" xmlns="" w="9525">
+              <a14:hiddenLine xmlns="" xmlns:a14="http://schemas.microsoft.com/office/drawing/2010/main" w="9525">
                 <a:solidFill>
                   <a:srgbClr val="000000"/>
                 </a:solidFill>
@@ -2682,7 +2682,7 @@
           <a:p>
             <a:fld id="{DEA6EBF0-8E22-42A7-9BEA-2AC7066E6498}" type="datetimeFigureOut">
               <a:rPr lang="ko-KR" altLang="en-US" smtClean="0"/>
-              <a:t>2022-12-28</a:t>
+              <a:t>2023-01-12</a:t>
             </a:fld>
             <a:endParaRPr lang="ko-KR" altLang="en-US"/>
           </a:p>
@@ -2800,7 +2800,7 @@
           <a:p>
             <a:fld id="{DEA6EBF0-8E22-42A7-9BEA-2AC7066E6498}" type="datetimeFigureOut">
               <a:rPr lang="ko-KR" altLang="en-US" smtClean="0"/>
-              <a:t>2022-12-28</a:t>
+              <a:t>2023-01-12</a:t>
             </a:fld>
             <a:endParaRPr lang="ko-KR" altLang="en-US"/>
           </a:p>
@@ -2955,7 +2955,7 @@
           <a:ln/>
           <a:extLst>
             <a:ext uri="{91240B29-F687-4f45-9708-019B960494DF}">
-              <a14:hiddenLine xmlns:a14="http://schemas.microsoft.com/office/drawing/2010/main" xmlns="" w="9525">
+              <a14:hiddenLine xmlns="" xmlns:a14="http://schemas.microsoft.com/office/drawing/2010/main" w="9525">
                 <a:solidFill>
                   <a:srgbClr val="000000"/>
                 </a:solidFill>
@@ -3083,7 +3083,7 @@
           <a:p>
             <a:fld id="{DEA6EBF0-8E22-42A7-9BEA-2AC7066E6498}" type="datetimeFigureOut">
               <a:rPr lang="ko-KR" altLang="en-US" smtClean="0"/>
-              <a:t>2022-12-28</a:t>
+              <a:t>2023-01-12</a:t>
             </a:fld>
             <a:endParaRPr lang="ko-KR" altLang="en-US"/>
           </a:p>
@@ -3426,7 +3426,7 @@
           <a:p>
             <a:fld id="{DEA6EBF0-8E22-42A7-9BEA-2AC7066E6498}" type="datetimeFigureOut">
               <a:rPr lang="ko-KR" altLang="en-US" smtClean="0"/>
-              <a:t>2022-12-28</a:t>
+              <a:t>2023-01-12</a:t>
             </a:fld>
             <a:endParaRPr lang="ko-KR" altLang="en-US"/>
           </a:p>
@@ -3581,7 +3581,7 @@
           <a:ln/>
           <a:extLst>
             <a:ext uri="{91240B29-F687-4f45-9708-019B960494DF}">
-              <a14:hiddenLine xmlns:a14="http://schemas.microsoft.com/office/drawing/2010/main" xmlns="" w="9525">
+              <a14:hiddenLine xmlns="" xmlns:a14="http://schemas.microsoft.com/office/drawing/2010/main" w="9525">
                 <a:solidFill>
                   <a:srgbClr val="000000"/>
                 </a:solidFill>
@@ -3765,7 +3765,7 @@
           <a:p>
             <a:fld id="{DEA6EBF0-8E22-42A7-9BEA-2AC7066E6498}" type="datetimeFigureOut">
               <a:rPr lang="ko-KR" altLang="en-US" smtClean="0"/>
-              <a:t>2022-12-28</a:t>
+              <a:t>2023-01-12</a:t>
             </a:fld>
             <a:endParaRPr lang="ko-KR" altLang="en-US"/>
           </a:p>
@@ -3920,7 +3920,7 @@
           <a:ln/>
           <a:extLst>
             <a:ext uri="{91240B29-F687-4f45-9708-019B960494DF}">
-              <a14:hiddenLine xmlns:a14="http://schemas.microsoft.com/office/drawing/2010/main" xmlns="" w="9525">
+              <a14:hiddenLine xmlns="" xmlns:a14="http://schemas.microsoft.com/office/drawing/2010/main" w="9525">
                 <a:solidFill>
                   <a:srgbClr val="000000"/>
                 </a:solidFill>
@@ -4242,7 +4242,7 @@
           <a:p>
             <a:fld id="{DEA6EBF0-8E22-42A7-9BEA-2AC7066E6498}" type="datetimeFigureOut">
               <a:rPr lang="ko-KR" altLang="en-US" smtClean="0"/>
-              <a:t>2022-12-28</a:t>
+              <a:t>2023-01-12</a:t>
             </a:fld>
             <a:endParaRPr lang="ko-KR" altLang="en-US"/>
           </a:p>
@@ -4337,7 +4337,7 @@
           <a:p>
             <a:fld id="{DEA6EBF0-8E22-42A7-9BEA-2AC7066E6498}" type="datetimeFigureOut">
               <a:rPr lang="ko-KR" altLang="en-US" smtClean="0"/>
-              <a:t>2022-12-28</a:t>
+              <a:t>2023-01-12</a:t>
             </a:fld>
             <a:endParaRPr lang="ko-KR" altLang="en-US"/>
           </a:p>
@@ -4605,7 +4605,7 @@
           <a:ln/>
           <a:extLst>
             <a:ext uri="{91240B29-F687-4f45-9708-019B960494DF}">
-              <a14:hiddenLine xmlns:a14="http://schemas.microsoft.com/office/drawing/2010/main" xmlns="" w="9525">
+              <a14:hiddenLine xmlns="" xmlns:a14="http://schemas.microsoft.com/office/drawing/2010/main" w="9525">
                 <a:solidFill>
                   <a:srgbClr val="000000"/>
                 </a:solidFill>
@@ -4804,7 +4804,7 @@
           <a:p>
             <a:fld id="{DEA6EBF0-8E22-42A7-9BEA-2AC7066E6498}" type="datetimeFigureOut">
               <a:rPr lang="ko-KR" altLang="en-US" smtClean="0"/>
-              <a:t>2022-12-28</a:t>
+              <a:t>2023-01-12</a:t>
             </a:fld>
             <a:endParaRPr lang="ko-KR" altLang="en-US"/>
           </a:p>
@@ -5117,7 +5117,7 @@
           <a:p>
             <a:fld id="{DEA6EBF0-8E22-42A7-9BEA-2AC7066E6498}" type="datetimeFigureOut">
               <a:rPr lang="ko-KR" altLang="en-US" smtClean="0"/>
-              <a:t>2022-12-28</a:t>
+              <a:t>2023-01-12</a:t>
             </a:fld>
             <a:endParaRPr lang="ko-KR" altLang="en-US"/>
           </a:p>
@@ -5387,7 +5387,7 @@
           <a:p>
             <a:fld id="{DEA6EBF0-8E22-42A7-9BEA-2AC7066E6498}" type="datetimeFigureOut">
               <a:rPr lang="ko-KR" altLang="en-US" smtClean="0"/>
-              <a:t>2022-12-28</a:t>
+              <a:t>2023-01-12</a:t>
             </a:fld>
             <a:endParaRPr lang="ko-KR" altLang="en-US"/>
           </a:p>
@@ -5961,7 +5961,7 @@
 </file>
 
 <file path=ppt/slides/slide2.xml><?xml version="1.0" encoding="utf-8"?>
-<p:sld xmlns:a="http://schemas.openxmlformats.org/drawingml/2006/main" xmlns:r="http://schemas.openxmlformats.org/officeDocument/2006/relationships" xmlns:p="http://schemas.openxmlformats.org/presentationml/2006/main">
+<p:sld xmlns:a="http://schemas.openxmlformats.org/drawingml/2006/main" xmlns:r="http://schemas.openxmlformats.org/officeDocument/2006/relationships" xmlns:p="http://schemas.openxmlformats.org/presentationml/2006/main" show="0">
   <p:cSld>
     <p:spTree>
       <p:nvGrpSpPr>
@@ -6105,7 +6105,7 @@
                   <a:schemeClr val="bg2"/>
                 </a:solidFill>
               </a:rPr>
-              <a:t>C[clearBtn1]</a:t>
+              <a:t>D[driveBtn1]</a:t>
             </a:r>
           </a:p>
           <a:p>
@@ -6116,7 +6116,7 @@
                   <a:schemeClr val="bg2"/>
                 </a:solidFill>
               </a:rPr>
-              <a:t>R[runBtn1]</a:t>
+              <a:t>C[clearBtn1]</a:t>
             </a:r>
           </a:p>
           <a:p>
@@ -6127,7 +6127,7 @@
                   <a:schemeClr val="bg2"/>
                 </a:solidFill>
               </a:rPr>
-              <a:t>D[dryrunBtn1]</a:t>
+              <a:t>T[testrunBtn1]</a:t>
             </a:r>
           </a:p>
           <a:p>
@@ -6203,18 +6203,23 @@
                   <a:schemeClr val="bg2"/>
                 </a:solidFill>
               </a:rPr>
-              <a:t>R[runLamp1]</a:t>
-            </a:r>
-          </a:p>
-          <a:p>
-            <a:pPr algn="ctr"/>
+              <a:t>A[</a:t>
+            </a:r>
+            <a:r>
+              <a:rPr lang="en-US" altLang="ko-KR" dirty="0" err="1">
+                <a:solidFill>
+                  <a:schemeClr val="bg2"/>
+                </a:solidFill>
+              </a:rPr>
+              <a:t>autoLamp1</a:t>
+            </a:r>
             <a:r>
               <a:rPr lang="en-US" altLang="ko-KR" dirty="0">
                 <a:solidFill>
                   <a:schemeClr val="bg2"/>
                 </a:solidFill>
               </a:rPr>
-              <a:t>S[stopLamp1]</a:t>
+              <a:t>]</a:t>
             </a:r>
           </a:p>
           <a:p>
@@ -6247,8 +6252,86 @@
                   <a:schemeClr val="bg2"/>
                 </a:solidFill>
               </a:rPr>
-              <a:t>D[dryrunLamp1]</a:t>
-            </a:r>
+              <a:t>S[</a:t>
+            </a:r>
+            <a:r>
+              <a:rPr lang="en-US" altLang="ko-KR" dirty="0" err="1">
+                <a:solidFill>
+                  <a:schemeClr val="bg2"/>
+                </a:solidFill>
+              </a:rPr>
+              <a:t>stopLamp1</a:t>
+            </a:r>
+            <a:r>
+              <a:rPr lang="en-US" altLang="ko-KR" dirty="0">
+                <a:solidFill>
+                  <a:schemeClr val="bg2"/>
+                </a:solidFill>
+              </a:rPr>
+              <a:t>] </a:t>
+            </a:r>
+          </a:p>
+          <a:p>
+            <a:pPr algn="ctr"/>
+            <a:r>
+              <a:rPr lang="en-US" altLang="ko-KR" dirty="0">
+                <a:solidFill>
+                  <a:schemeClr val="bg2"/>
+                </a:solidFill>
+              </a:rPr>
+              <a:t>D[</a:t>
+            </a:r>
+            <a:r>
+              <a:rPr lang="en-US" altLang="ko-KR" dirty="0" err="1">
+                <a:solidFill>
+                  <a:schemeClr val="bg2"/>
+                </a:solidFill>
+              </a:rPr>
+              <a:t>driveLamp1</a:t>
+            </a:r>
+            <a:r>
+              <a:rPr lang="en-US" altLang="ko-KR" dirty="0">
+                <a:solidFill>
+                  <a:schemeClr val="bg2"/>
+                </a:solidFill>
+              </a:rPr>
+              <a:t>]</a:t>
+            </a:r>
+          </a:p>
+          <a:p>
+            <a:pPr algn="ctr"/>
+            <a:r>
+              <a:rPr lang="en-US" altLang="ko-KR" dirty="0">
+                <a:solidFill>
+                  <a:schemeClr val="bg2"/>
+                </a:solidFill>
+              </a:rPr>
+              <a:t>R[</a:t>
+            </a:r>
+            <a:r>
+              <a:rPr lang="en-US" altLang="ko-KR" dirty="0" err="1">
+                <a:solidFill>
+                  <a:schemeClr val="bg2"/>
+                </a:solidFill>
+              </a:rPr>
+              <a:t>readyLamp1</a:t>
+            </a:r>
+            <a:r>
+              <a:rPr lang="en-US" altLang="ko-KR" dirty="0">
+                <a:solidFill>
+                  <a:schemeClr val="bg2"/>
+                </a:solidFill>
+              </a:rPr>
+              <a:t>]</a:t>
+            </a:r>
+          </a:p>
+          <a:p>
+            <a:pPr algn="ctr"/>
+            <a:endParaRPr lang="en-US" altLang="ko-KR" dirty="0">
+              <a:solidFill>
+                <a:schemeClr val="bg2"/>
+              </a:solidFill>
+            </a:endParaRPr>
           </a:p>
         </p:txBody>
       </p:sp>

--- a/DsDotNet/src/UnitTest/UnitTest.Engine/ImportOffice/ppt/T10_Button.pptx
+++ b/DsDotNet/src/UnitTest/UnitTest.Engine/ImportOffice/ppt/T10_Button.pptx
@@ -13,8 +13,8 @@
   <p:sldIdLst>
     <p:sldId id="256" r:id="rId2"/>
     <p:sldId id="622" r:id="rId3"/>
-    <p:sldId id="624" r:id="rId4"/>
-    <p:sldId id="623" r:id="rId5"/>
+    <p:sldId id="623" r:id="rId4"/>
+    <p:sldId id="624" r:id="rId5"/>
   </p:sldIdLst>
   <p:sldSz cx="12192000" cy="6858000"/>
   <p:notesSz cx="6797675" cy="9926638"/>
@@ -757,7 +757,7 @@
           <a:effectLst/>
           <a:extLst>
             <a:ext uri="{91240B29-F687-4f45-9708-019B960494DF}">
-              <a14:hiddenLine xmlns="" xmlns:a14="http://schemas.microsoft.com/office/drawing/2010/main" w="9525">
+              <a14:hiddenLine xmlns:a14="http://schemas.microsoft.com/office/drawing/2010/main" xmlns="" w="9525">
                 <a:solidFill>
                   <a:srgbClr val="000000"/>
                 </a:solidFill>
@@ -2279,7 +2279,7 @@
           <a:ln/>
           <a:extLst>
             <a:ext uri="{91240B29-F687-4f45-9708-019B960494DF}">
-              <a14:hiddenLine xmlns="" xmlns:a14="http://schemas.microsoft.com/office/drawing/2010/main" w="9525">
+              <a14:hiddenLine xmlns:a14="http://schemas.microsoft.com/office/drawing/2010/main" xmlns="" w="9525">
                 <a:solidFill>
                   <a:srgbClr val="000000"/>
                 </a:solidFill>
@@ -2554,7 +2554,7 @@
           <a:ln/>
           <a:extLst>
             <a:ext uri="{91240B29-F687-4f45-9708-019B960494DF}">
-              <a14:hiddenLine xmlns="" xmlns:a14="http://schemas.microsoft.com/office/drawing/2010/main" w="9525">
+              <a14:hiddenLine xmlns:a14="http://schemas.microsoft.com/office/drawing/2010/main" xmlns="" w="9525">
                 <a:solidFill>
                   <a:srgbClr val="000000"/>
                 </a:solidFill>
@@ -2955,7 +2955,7 @@
           <a:ln/>
           <a:extLst>
             <a:ext uri="{91240B29-F687-4f45-9708-019B960494DF}">
-              <a14:hiddenLine xmlns="" xmlns:a14="http://schemas.microsoft.com/office/drawing/2010/main" w="9525">
+              <a14:hiddenLine xmlns:a14="http://schemas.microsoft.com/office/drawing/2010/main" xmlns="" w="9525">
                 <a:solidFill>
                   <a:srgbClr val="000000"/>
                 </a:solidFill>
@@ -3581,7 +3581,7 @@
           <a:ln/>
           <a:extLst>
             <a:ext uri="{91240B29-F687-4f45-9708-019B960494DF}">
-              <a14:hiddenLine xmlns="" xmlns:a14="http://schemas.microsoft.com/office/drawing/2010/main" w="9525">
+              <a14:hiddenLine xmlns:a14="http://schemas.microsoft.com/office/drawing/2010/main" xmlns="" w="9525">
                 <a:solidFill>
                   <a:srgbClr val="000000"/>
                 </a:solidFill>
@@ -3920,7 +3920,7 @@
           <a:ln/>
           <a:extLst>
             <a:ext uri="{91240B29-F687-4f45-9708-019B960494DF}">
-              <a14:hiddenLine xmlns="" xmlns:a14="http://schemas.microsoft.com/office/drawing/2010/main" w="9525">
+              <a14:hiddenLine xmlns:a14="http://schemas.microsoft.com/office/drawing/2010/main" xmlns="" w="9525">
                 <a:solidFill>
                   <a:srgbClr val="000000"/>
                 </a:solidFill>
@@ -4605,7 +4605,7 @@
           <a:ln/>
           <a:extLst>
             <a:ext uri="{91240B29-F687-4f45-9708-019B960494DF}">
-              <a14:hiddenLine xmlns="" xmlns:a14="http://schemas.microsoft.com/office/drawing/2010/main" w="9525">
+              <a14:hiddenLine xmlns:a14="http://schemas.microsoft.com/office/drawing/2010/main" xmlns="" w="9525">
                 <a:solidFill>
                   <a:srgbClr val="000000"/>
                 </a:solidFill>
@@ -5961,7 +5961,7 @@
 </file>
 
 <file path=ppt/slides/slide2.xml><?xml version="1.0" encoding="utf-8"?>
-<p:sld xmlns:a="http://schemas.openxmlformats.org/drawingml/2006/main" xmlns:r="http://schemas.openxmlformats.org/officeDocument/2006/relationships" xmlns:p="http://schemas.openxmlformats.org/presentationml/2006/main" show="0">
+<p:sld xmlns:a="http://schemas.openxmlformats.org/drawingml/2006/main" xmlns:r="http://schemas.openxmlformats.org/officeDocument/2006/relationships" xmlns:p="http://schemas.openxmlformats.org/presentationml/2006/main">
   <p:cSld>
     <p:spTree>
       <p:nvGrpSpPr>
@@ -6094,7 +6094,23 @@
                   <a:schemeClr val="bg2"/>
                 </a:solidFill>
               </a:rPr>
-              <a:t>S[stopBtn1]</a:t>
+              <a:t>S[</a:t>
+            </a:r>
+            <a:r>
+              <a:rPr lang="en-US" altLang="ko-KR" dirty="0" err="1">
+                <a:solidFill>
+                  <a:schemeClr val="bg2"/>
+                </a:solidFill>
+              </a:rPr>
+              <a:t>stopBtn1</a:t>
+            </a:r>
+            <a:r>
+              <a:rPr lang="en-US" altLang="ko-KR" dirty="0">
+                <a:solidFill>
+                  <a:schemeClr val="bg2"/>
+                </a:solidFill>
+              </a:rPr>
+              <a:t>]</a:t>
             </a:r>
           </a:p>
           <a:p>
@@ -6116,7 +6132,7 @@
                   <a:schemeClr val="bg2"/>
                 </a:solidFill>
               </a:rPr>
-              <a:t>C[clearBtn1]</a:t>
+              <a:t>T[testrunBtn1]</a:t>
             </a:r>
           </a:p>
           <a:p>
@@ -6127,7 +6143,7 @@
                   <a:schemeClr val="bg2"/>
                 </a:solidFill>
               </a:rPr>
-              <a:t>T[testrunBtn1]</a:t>
+              <a:t>C[clearBtn1]</a:t>
             </a:r>
           </a:p>
           <a:p>
@@ -6203,23 +6219,7 @@
                   <a:schemeClr val="bg2"/>
                 </a:solidFill>
               </a:rPr>
-              <a:t>A[</a:t>
-            </a:r>
-            <a:r>
-              <a:rPr lang="en-US" altLang="ko-KR" dirty="0" err="1">
-                <a:solidFill>
-                  <a:schemeClr val="bg2"/>
-                </a:solidFill>
-              </a:rPr>
-              <a:t>autoLamp1</a:t>
-            </a:r>
-            <a:r>
-              <a:rPr lang="en-US" altLang="ko-KR" dirty="0">
-                <a:solidFill>
-                  <a:schemeClr val="bg2"/>
-                </a:solidFill>
-              </a:rPr>
-              <a:t>]</a:t>
+              <a:t>A[autoLamp1]</a:t>
             </a:r>
           </a:p>
           <a:p>
@@ -6252,23 +6252,18 @@
                   <a:schemeClr val="bg2"/>
                 </a:solidFill>
               </a:rPr>
-              <a:t>S[</a:t>
-            </a:r>
-            <a:r>
-              <a:rPr lang="en-US" altLang="ko-KR" dirty="0" err="1">
-                <a:solidFill>
-                  <a:schemeClr val="bg2"/>
-                </a:solidFill>
-              </a:rPr>
-              <a:t>stopLamp1</a:t>
-            </a:r>
+              <a:t>S[stopLamp1] </a:t>
+            </a:r>
+          </a:p>
+          <a:p>
+            <a:pPr algn="ctr"/>
             <a:r>
               <a:rPr lang="en-US" altLang="ko-KR" dirty="0">
                 <a:solidFill>
                   <a:schemeClr val="bg2"/>
                 </a:solidFill>
               </a:rPr>
-              <a:t>] </a:t>
+              <a:t>D[driveLamp1]</a:t>
             </a:r>
           </a:p>
           <a:p>
@@ -6279,50 +6274,18 @@
                   <a:schemeClr val="bg2"/>
                 </a:solidFill>
               </a:rPr>
-              <a:t>D[</a:t>
-            </a:r>
-            <a:r>
-              <a:rPr lang="en-US" altLang="ko-KR" dirty="0" err="1">
-                <a:solidFill>
-                  <a:schemeClr val="bg2"/>
-                </a:solidFill>
-              </a:rPr>
-              <a:t>driveLamp1</a:t>
-            </a:r>
+              <a:t>T[testrunLamp1]</a:t>
+            </a:r>
+          </a:p>
+          <a:p>
+            <a:pPr algn="ctr"/>
             <a:r>
               <a:rPr lang="en-US" altLang="ko-KR" dirty="0">
                 <a:solidFill>
                   <a:schemeClr val="bg2"/>
                 </a:solidFill>
               </a:rPr>
-              <a:t>]</a:t>
-            </a:r>
-          </a:p>
-          <a:p>
-            <a:pPr algn="ctr"/>
-            <a:r>
-              <a:rPr lang="en-US" altLang="ko-KR" dirty="0">
-                <a:solidFill>
-                  <a:schemeClr val="bg2"/>
-                </a:solidFill>
-              </a:rPr>
-              <a:t>R[</a:t>
-            </a:r>
-            <a:r>
-              <a:rPr lang="en-US" altLang="ko-KR" dirty="0" err="1">
-                <a:solidFill>
-                  <a:schemeClr val="bg2"/>
-                </a:solidFill>
-              </a:rPr>
-              <a:t>readyLamp1</a:t>
-            </a:r>
-            <a:r>
-              <a:rPr lang="en-US" altLang="ko-KR" dirty="0">
-                <a:solidFill>
-                  <a:schemeClr val="bg2"/>
-                </a:solidFill>
-              </a:rPr>
-              <a:t>]</a:t>
+              <a:t>R[readyLamp1]</a:t>
             </a:r>
           </a:p>
           <a:p>
@@ -6387,7 +6350,7 @@
           <a:lstStyle/>
           <a:p>
             <a:r>
-              <a:rPr lang="en-US" altLang="ko-KR" dirty="0"/>
+              <a:rPr lang="en-US" altLang="ko-KR" dirty="0" err="1"/>
               <a:t>S102</a:t>
             </a:r>
             <a:endParaRPr lang="ko-KR" altLang="en-US" dirty="0"/>
@@ -6396,10 +6359,108 @@
       </p:sp>
       <p:sp>
         <p:nvSpPr>
-          <p:cNvPr id="6" name="사각형: 빗면 5">
+          <p:cNvPr id="4" name="사각형: 빗면 3">
             <a:extLst>
               <a:ext uri="{FF2B5EF4-FFF2-40B4-BE49-F238E27FC236}">
-                <a16:creationId xmlns:a16="http://schemas.microsoft.com/office/drawing/2014/main" id="{179D1301-EB33-5C8F-C117-AB38042CC7C6}"/>
+                <a16:creationId xmlns:a16="http://schemas.microsoft.com/office/drawing/2014/main" id="{43F727FF-A1DD-341C-11C2-1AF95E71B98C}"/>
+              </a:ext>
+            </a:extLst>
+          </p:cNvPr>
+          <p:cNvSpPr/>
+          <p:nvPr/>
+        </p:nvSpPr>
+        <p:spPr>
+          <a:xfrm>
+            <a:off x="1658871" y="2561303"/>
+            <a:ext cx="3591555" cy="3534697"/>
+          </a:xfrm>
+          <a:prstGeom prst="bevel">
+            <a:avLst>
+              <a:gd name="adj" fmla="val 16754"/>
+            </a:avLst>
+          </a:prstGeom>
+          <a:ln>
+            <a:solidFill>
+              <a:schemeClr val="tx1"/>
+            </a:solidFill>
+          </a:ln>
+        </p:spPr>
+        <p:style>
+          <a:lnRef idx="2">
+            <a:schemeClr val="accent1">
+              <a:shade val="50000"/>
+            </a:schemeClr>
+          </a:lnRef>
+          <a:fillRef idx="1">
+            <a:schemeClr val="accent1"/>
+          </a:fillRef>
+          <a:effectRef idx="0">
+            <a:schemeClr val="accent1"/>
+          </a:effectRef>
+          <a:fontRef idx="minor">
+            <a:schemeClr val="lt1"/>
+          </a:fontRef>
+        </p:style>
+        <p:txBody>
+          <a:bodyPr rtlCol="0" anchor="ctr"/>
+          <a:lstStyle/>
+          <a:p>
+            <a:pPr algn="ctr"/>
+            <a:r>
+              <a:rPr lang="en-US" altLang="ko-KR" dirty="0">
+                <a:solidFill>
+                  <a:schemeClr val="bg2"/>
+                </a:solidFill>
+              </a:rPr>
+              <a:t>A[autoBtn1]</a:t>
+            </a:r>
+          </a:p>
+          <a:p>
+            <a:pPr algn="ctr"/>
+            <a:r>
+              <a:rPr lang="en-US" altLang="ko-KR" dirty="0">
+                <a:solidFill>
+                  <a:schemeClr val="bg2"/>
+                </a:solidFill>
+              </a:rPr>
+              <a:t>M[manualBtn1]</a:t>
+            </a:r>
+          </a:p>
+          <a:p>
+            <a:pPr algn="ctr"/>
+            <a:r>
+              <a:rPr lang="en-US" altLang="ko-KR" dirty="0">
+                <a:solidFill>
+                  <a:schemeClr val="bg2"/>
+                </a:solidFill>
+              </a:rPr>
+              <a:t>E[</a:t>
+            </a:r>
+            <a:r>
+              <a:rPr lang="en-US" altLang="ko-KR" dirty="0" err="1">
+                <a:solidFill>
+                  <a:schemeClr val="bg2"/>
+                </a:solidFill>
+              </a:rPr>
+              <a:t>emgBtn1</a:t>
+            </a:r>
+            <a:r>
+              <a:rPr lang="en-US" altLang="ko-KR" dirty="0">
+                <a:solidFill>
+                  <a:schemeClr val="bg2"/>
+                </a:solidFill>
+              </a:rPr>
+              <a:t>]</a:t>
+            </a:r>
+          </a:p>
+        </p:txBody>
+      </p:sp>
+      <p:sp>
+        <p:nvSpPr>
+          <p:cNvPr id="5" name="사각형: 빗면 4">
+            <a:extLst>
+              <a:ext uri="{FF2B5EF4-FFF2-40B4-BE49-F238E27FC236}">
+                <a16:creationId xmlns:a16="http://schemas.microsoft.com/office/drawing/2014/main" id="{CC109A94-E99B-595B-64CD-E549C28F0B12}"/>
               </a:ext>
             </a:extLst>
           </p:cNvPr>
@@ -6449,7 +6510,7 @@
                   <a:schemeClr val="bg2"/>
                 </a:solidFill>
               </a:rPr>
-              <a:t>M[manualLamp2]</a:t>
+              <a:t>A[autoLamp1]</a:t>
             </a:r>
           </a:p>
           <a:p>
@@ -6460,7 +6521,7 @@
                   <a:schemeClr val="bg2"/>
                 </a:solidFill>
               </a:rPr>
-              <a:t>E[emgLamp2]</a:t>
+              <a:t>M[manualLamp1]</a:t>
             </a:r>
           </a:p>
           <a:p>
@@ -6471,15 +6532,67 @@
                   <a:schemeClr val="bg2"/>
                 </a:solidFill>
               </a:rPr>
-              <a:t>D[dryrunLamp2]</a:t>
-            </a:r>
+              <a:t>E[emgLamp1]</a:t>
+            </a:r>
+          </a:p>
+          <a:p>
+            <a:pPr algn="ctr"/>
+            <a:r>
+              <a:rPr lang="en-US" altLang="ko-KR" dirty="0">
+                <a:solidFill>
+                  <a:schemeClr val="bg2"/>
+                </a:solidFill>
+              </a:rPr>
+              <a:t>S[stopLamp1]</a:t>
+            </a:r>
+          </a:p>
+          <a:p>
+            <a:pPr algn="ctr"/>
+            <a:r>
+              <a:rPr lang="en-US" altLang="ko-KR" dirty="0">
+                <a:solidFill>
+                  <a:schemeClr val="bg2"/>
+                </a:solidFill>
+              </a:rPr>
+              <a:t>D[driveLamp1]</a:t>
+            </a:r>
+          </a:p>
+          <a:p>
+            <a:pPr algn="ctr"/>
+            <a:r>
+              <a:rPr lang="en-US" altLang="ko-KR" dirty="0">
+                <a:solidFill>
+                  <a:schemeClr val="bg2"/>
+                </a:solidFill>
+              </a:rPr>
+              <a:t>T[testrunLamp1]</a:t>
+            </a:r>
+          </a:p>
+          <a:p>
+            <a:pPr algn="ctr"/>
+            <a:r>
+              <a:rPr lang="en-US" altLang="ko-KR" dirty="0">
+                <a:solidFill>
+                  <a:schemeClr val="bg2"/>
+                </a:solidFill>
+              </a:rPr>
+              <a:t>R[readyLamp1]</a:t>
+            </a:r>
+          </a:p>
+          <a:p>
+            <a:pPr algn="ctr"/>
+            <a:endParaRPr lang="en-US" altLang="ko-KR" dirty="0">
+              <a:solidFill>
+                <a:schemeClr val="bg2"/>
+              </a:solidFill>
+            </a:endParaRPr>
           </a:p>
         </p:txBody>
       </p:sp>
     </p:spTree>
     <p:extLst>
       <p:ext uri="{BB962C8B-B14F-4D97-AF65-F5344CB8AC3E}">
-        <p14:creationId xmlns:p14="http://schemas.microsoft.com/office/powerpoint/2010/main" val="907386579"/>
+        <p14:creationId xmlns:p14="http://schemas.microsoft.com/office/powerpoint/2010/main" val="339436869"/>
       </p:ext>
     </p:extLst>
   </p:cSld>
@@ -6540,7 +6653,7 @@
           <p:cNvPr id="5" name="사각형: 빗면 4">
             <a:extLst>
               <a:ext uri="{FF2B5EF4-FFF2-40B4-BE49-F238E27FC236}">
-                <a16:creationId xmlns:a16="http://schemas.microsoft.com/office/drawing/2014/main" id="{81AAB7B2-B068-5B25-F285-59730A543C1C}"/>
+                <a16:creationId xmlns:a16="http://schemas.microsoft.com/office/drawing/2014/main" id="{CC109A94-E99B-595B-64CD-E549C28F0B12}"/>
               </a:ext>
             </a:extLst>
           </p:cNvPr>
@@ -6549,12 +6662,12 @@
         </p:nvSpPr>
         <p:spPr>
           <a:xfrm>
-            <a:off x="1658871" y="2561303"/>
+            <a:off x="6427516" y="2561302"/>
             <a:ext cx="3591555" cy="3534697"/>
           </a:xfrm>
           <a:prstGeom prst="bevel">
             <a:avLst>
-              <a:gd name="adj" fmla="val 16754"/>
+              <a:gd name="adj" fmla="val 0"/>
             </a:avLst>
           </a:prstGeom>
           <a:ln>
@@ -6590,7 +6703,7 @@
                   <a:schemeClr val="bg2"/>
                 </a:solidFill>
               </a:rPr>
-              <a:t>A[autoBtn1]</a:t>
+              <a:t>A[autoLamp1]</a:t>
             </a:r>
           </a:p>
           <a:p>
@@ -6601,7 +6714,7 @@
                   <a:schemeClr val="bg2"/>
                 </a:solidFill>
               </a:rPr>
-              <a:t>M[manualBtn1]</a:t>
+              <a:t>M[manualLamp1]</a:t>
             </a:r>
           </a:p>
           <a:p>
@@ -6612,7 +6725,7 @@
                   <a:schemeClr val="bg2"/>
                 </a:solidFill>
               </a:rPr>
-              <a:t>E[emgBtn2]</a:t>
+              <a:t>T[testrunLamp1]</a:t>
             </a:r>
           </a:p>
           <a:p>
@@ -6623,15 +6736,23 @@
                   <a:schemeClr val="bg2"/>
                 </a:solidFill>
               </a:rPr>
-              <a:t>S[stopBtn2]</a:t>
-            </a:r>
+              <a:t>R[readyLamp1]</a:t>
+            </a:r>
+          </a:p>
+          <a:p>
+            <a:pPr algn="ctr"/>
+            <a:endParaRPr lang="en-US" altLang="ko-KR" dirty="0">
+              <a:solidFill>
+                <a:schemeClr val="bg2"/>
+              </a:solidFill>
+            </a:endParaRPr>
           </a:p>
         </p:txBody>
       </p:sp>
     </p:spTree>
     <p:extLst>
       <p:ext uri="{BB962C8B-B14F-4D97-AF65-F5344CB8AC3E}">
-        <p14:creationId xmlns:p14="http://schemas.microsoft.com/office/powerpoint/2010/main" val="1541319358"/>
+        <p14:creationId xmlns:p14="http://schemas.microsoft.com/office/powerpoint/2010/main" val="3005056489"/>
       </p:ext>
     </p:extLst>
   </p:cSld>

--- a/DsDotNet/src/UnitTest/UnitTest.Engine/ImportOffice/ppt/T10_Button.pptx
+++ b/DsDotNet/src/UnitTest/UnitTest.Engine/ImportOffice/ppt/T10_Button.pptx
@@ -218,7 +218,7 @@
           <a:p>
             <a:fld id="{DD503887-5801-43A0-AEF9-041E8DDC2558}" type="datetimeFigureOut">
               <a:rPr lang="ko-KR" altLang="en-US" smtClean="0"/>
-              <a:t>2023-01-12</a:t>
+              <a:t>2023-01-13</a:t>
             </a:fld>
             <a:endParaRPr lang="ko-KR" altLang="en-US"/>
           </a:p>
@@ -395,7 +395,7 @@
           <a:p>
             <a:fld id="{95336A0E-57B1-4D4C-BD9B-2F72B5943464}" type="datetimeFigureOut">
               <a:rPr lang="ko-KR" altLang="en-US" smtClean="0"/>
-              <a:t>2023-01-12</a:t>
+              <a:t>2023-01-13</a:t>
             </a:fld>
             <a:endParaRPr lang="ko-KR" altLang="en-US"/>
           </a:p>
@@ -757,7 +757,7 @@
           <a:effectLst/>
           <a:extLst>
             <a:ext uri="{91240B29-F687-4f45-9708-019B960494DF}">
-              <a14:hiddenLine xmlns:a14="http://schemas.microsoft.com/office/drawing/2010/main" xmlns="" w="9525">
+              <a14:hiddenLine xmlns="" xmlns:a14="http://schemas.microsoft.com/office/drawing/2010/main" w="9525">
                 <a:solidFill>
                   <a:srgbClr val="000000"/>
                 </a:solidFill>
@@ -949,7 +949,7 @@
           <a:p>
             <a:fld id="{DEA6EBF0-8E22-42A7-9BEA-2AC7066E6498}" type="datetimeFigureOut">
               <a:rPr lang="ko-KR" altLang="en-US" smtClean="0"/>
-              <a:t>2023-01-12</a:t>
+              <a:t>2023-01-13</a:t>
             </a:fld>
             <a:endParaRPr lang="ko-KR" altLang="en-US"/>
           </a:p>
@@ -1267,7 +1267,7 @@
           <a:p>
             <a:fld id="{DEA6EBF0-8E22-42A7-9BEA-2AC7066E6498}" type="datetimeFigureOut">
               <a:rPr lang="ko-KR" altLang="en-US" smtClean="0"/>
-              <a:t>2023-01-12</a:t>
+              <a:t>2023-01-13</a:t>
             </a:fld>
             <a:endParaRPr lang="ko-KR" altLang="en-US"/>
           </a:p>
@@ -1755,7 +1755,7 @@
           <a:p>
             <a:fld id="{DEA6EBF0-8E22-42A7-9BEA-2AC7066E6498}" type="datetimeFigureOut">
               <a:rPr lang="ko-KR" altLang="en-US" smtClean="0"/>
-              <a:t>2023-01-12</a:t>
+              <a:t>2023-01-13</a:t>
             </a:fld>
             <a:endParaRPr lang="ko-KR" altLang="en-US"/>
           </a:p>
@@ -2124,7 +2124,7 @@
           <a:p>
             <a:fld id="{DEA6EBF0-8E22-42A7-9BEA-2AC7066E6498}" type="datetimeFigureOut">
               <a:rPr lang="ko-KR" altLang="en-US" smtClean="0"/>
-              <a:t>2023-01-12</a:t>
+              <a:t>2023-01-13</a:t>
             </a:fld>
             <a:endParaRPr lang="ko-KR" altLang="en-US"/>
           </a:p>
@@ -2279,7 +2279,7 @@
           <a:ln/>
           <a:extLst>
             <a:ext uri="{91240B29-F687-4f45-9708-019B960494DF}">
-              <a14:hiddenLine xmlns:a14="http://schemas.microsoft.com/office/drawing/2010/main" xmlns="" w="9525">
+              <a14:hiddenLine xmlns="" xmlns:a14="http://schemas.microsoft.com/office/drawing/2010/main" w="9525">
                 <a:solidFill>
                   <a:srgbClr val="000000"/>
                 </a:solidFill>
@@ -2397,7 +2397,7 @@
           <a:p>
             <a:fld id="{DEA6EBF0-8E22-42A7-9BEA-2AC7066E6498}" type="datetimeFigureOut">
               <a:rPr lang="ko-KR" altLang="en-US" smtClean="0"/>
-              <a:t>2023-01-12</a:t>
+              <a:t>2023-01-13</a:t>
             </a:fld>
             <a:endParaRPr lang="ko-KR" altLang="en-US"/>
           </a:p>
@@ -2554,7 +2554,7 @@
           <a:ln/>
           <a:extLst>
             <a:ext uri="{91240B29-F687-4f45-9708-019B960494DF}">
-              <a14:hiddenLine xmlns:a14="http://schemas.microsoft.com/office/drawing/2010/main" xmlns="" w="9525">
+              <a14:hiddenLine xmlns="" xmlns:a14="http://schemas.microsoft.com/office/drawing/2010/main" w="9525">
                 <a:solidFill>
                   <a:srgbClr val="000000"/>
                 </a:solidFill>
@@ -2682,7 +2682,7 @@
           <a:p>
             <a:fld id="{DEA6EBF0-8E22-42A7-9BEA-2AC7066E6498}" type="datetimeFigureOut">
               <a:rPr lang="ko-KR" altLang="en-US" smtClean="0"/>
-              <a:t>2023-01-12</a:t>
+              <a:t>2023-01-13</a:t>
             </a:fld>
             <a:endParaRPr lang="ko-KR" altLang="en-US"/>
           </a:p>
@@ -2800,7 +2800,7 @@
           <a:p>
             <a:fld id="{DEA6EBF0-8E22-42A7-9BEA-2AC7066E6498}" type="datetimeFigureOut">
               <a:rPr lang="ko-KR" altLang="en-US" smtClean="0"/>
-              <a:t>2023-01-12</a:t>
+              <a:t>2023-01-13</a:t>
             </a:fld>
             <a:endParaRPr lang="ko-KR" altLang="en-US"/>
           </a:p>
@@ -2955,7 +2955,7 @@
           <a:ln/>
           <a:extLst>
             <a:ext uri="{91240B29-F687-4f45-9708-019B960494DF}">
-              <a14:hiddenLine xmlns:a14="http://schemas.microsoft.com/office/drawing/2010/main" xmlns="" w="9525">
+              <a14:hiddenLine xmlns="" xmlns:a14="http://schemas.microsoft.com/office/drawing/2010/main" w="9525">
                 <a:solidFill>
                   <a:srgbClr val="000000"/>
                 </a:solidFill>
@@ -3083,7 +3083,7 @@
           <a:p>
             <a:fld id="{DEA6EBF0-8E22-42A7-9BEA-2AC7066E6498}" type="datetimeFigureOut">
               <a:rPr lang="ko-KR" altLang="en-US" smtClean="0"/>
-              <a:t>2023-01-12</a:t>
+              <a:t>2023-01-13</a:t>
             </a:fld>
             <a:endParaRPr lang="ko-KR" altLang="en-US"/>
           </a:p>
@@ -3426,7 +3426,7 @@
           <a:p>
             <a:fld id="{DEA6EBF0-8E22-42A7-9BEA-2AC7066E6498}" type="datetimeFigureOut">
               <a:rPr lang="ko-KR" altLang="en-US" smtClean="0"/>
-              <a:t>2023-01-12</a:t>
+              <a:t>2023-01-13</a:t>
             </a:fld>
             <a:endParaRPr lang="ko-KR" altLang="en-US"/>
           </a:p>
@@ -3581,7 +3581,7 @@
           <a:ln/>
           <a:extLst>
             <a:ext uri="{91240B29-F687-4f45-9708-019B960494DF}">
-              <a14:hiddenLine xmlns:a14="http://schemas.microsoft.com/office/drawing/2010/main" xmlns="" w="9525">
+              <a14:hiddenLine xmlns="" xmlns:a14="http://schemas.microsoft.com/office/drawing/2010/main" w="9525">
                 <a:solidFill>
                   <a:srgbClr val="000000"/>
                 </a:solidFill>
@@ -3765,7 +3765,7 @@
           <a:p>
             <a:fld id="{DEA6EBF0-8E22-42A7-9BEA-2AC7066E6498}" type="datetimeFigureOut">
               <a:rPr lang="ko-KR" altLang="en-US" smtClean="0"/>
-              <a:t>2023-01-12</a:t>
+              <a:t>2023-01-13</a:t>
             </a:fld>
             <a:endParaRPr lang="ko-KR" altLang="en-US"/>
           </a:p>
@@ -3920,7 +3920,7 @@
           <a:ln/>
           <a:extLst>
             <a:ext uri="{91240B29-F687-4f45-9708-019B960494DF}">
-              <a14:hiddenLine xmlns:a14="http://schemas.microsoft.com/office/drawing/2010/main" xmlns="" w="9525">
+              <a14:hiddenLine xmlns="" xmlns:a14="http://schemas.microsoft.com/office/drawing/2010/main" w="9525">
                 <a:solidFill>
                   <a:srgbClr val="000000"/>
                 </a:solidFill>
@@ -4242,7 +4242,7 @@
           <a:p>
             <a:fld id="{DEA6EBF0-8E22-42A7-9BEA-2AC7066E6498}" type="datetimeFigureOut">
               <a:rPr lang="ko-KR" altLang="en-US" smtClean="0"/>
-              <a:t>2023-01-12</a:t>
+              <a:t>2023-01-13</a:t>
             </a:fld>
             <a:endParaRPr lang="ko-KR" altLang="en-US"/>
           </a:p>
@@ -4337,7 +4337,7 @@
           <a:p>
             <a:fld id="{DEA6EBF0-8E22-42A7-9BEA-2AC7066E6498}" type="datetimeFigureOut">
               <a:rPr lang="ko-KR" altLang="en-US" smtClean="0"/>
-              <a:t>2023-01-12</a:t>
+              <a:t>2023-01-13</a:t>
             </a:fld>
             <a:endParaRPr lang="ko-KR" altLang="en-US"/>
           </a:p>
@@ -4605,7 +4605,7 @@
           <a:ln/>
           <a:extLst>
             <a:ext uri="{91240B29-F687-4f45-9708-019B960494DF}">
-              <a14:hiddenLine xmlns:a14="http://schemas.microsoft.com/office/drawing/2010/main" xmlns="" w="9525">
+              <a14:hiddenLine xmlns="" xmlns:a14="http://schemas.microsoft.com/office/drawing/2010/main" w="9525">
                 <a:solidFill>
                   <a:srgbClr val="000000"/>
                 </a:solidFill>
@@ -4804,7 +4804,7 @@
           <a:p>
             <a:fld id="{DEA6EBF0-8E22-42A7-9BEA-2AC7066E6498}" type="datetimeFigureOut">
               <a:rPr lang="ko-KR" altLang="en-US" smtClean="0"/>
-              <a:t>2023-01-12</a:t>
+              <a:t>2023-01-13</a:t>
             </a:fld>
             <a:endParaRPr lang="ko-KR" altLang="en-US"/>
           </a:p>
@@ -5117,7 +5117,7 @@
           <a:p>
             <a:fld id="{DEA6EBF0-8E22-42A7-9BEA-2AC7066E6498}" type="datetimeFigureOut">
               <a:rPr lang="ko-KR" altLang="en-US" smtClean="0"/>
-              <a:t>2023-01-12</a:t>
+              <a:t>2023-01-13</a:t>
             </a:fld>
             <a:endParaRPr lang="ko-KR" altLang="en-US"/>
           </a:p>
@@ -5387,7 +5387,7 @@
           <a:p>
             <a:fld id="{DEA6EBF0-8E22-42A7-9BEA-2AC7066E6498}" type="datetimeFigureOut">
               <a:rPr lang="ko-KR" altLang="en-US" smtClean="0"/>
-              <a:t>2023-01-12</a:t>
+              <a:t>2023-01-13</a:t>
             </a:fld>
             <a:endParaRPr lang="ko-KR" altLang="en-US"/>
           </a:p>
@@ -6056,7 +6056,7 @@
           <a:p>
             <a:pPr algn="ctr"/>
             <a:r>
-              <a:rPr lang="en-US" altLang="ko-KR" dirty="0">
+              <a:rPr lang="en-US" altLang="ko-KR" sz="1400" dirty="0">
                 <a:solidFill>
                   <a:schemeClr val="bg2"/>
                 </a:solidFill>
@@ -6067,7 +6067,7 @@
           <a:p>
             <a:pPr algn="ctr"/>
             <a:r>
-              <a:rPr lang="en-US" altLang="ko-KR" dirty="0">
+              <a:rPr lang="en-US" altLang="ko-KR" sz="1400" dirty="0">
                 <a:solidFill>
                   <a:schemeClr val="bg2"/>
                 </a:solidFill>
@@ -6078,7 +6078,45 @@
           <a:p>
             <a:pPr algn="ctr"/>
             <a:r>
-              <a:rPr lang="en-US" altLang="ko-KR" dirty="0">
+              <a:rPr lang="en-US" altLang="ko-KR" sz="1400" dirty="0">
+                <a:solidFill>
+                  <a:schemeClr val="bg2"/>
+                </a:solidFill>
+              </a:rPr>
+              <a:t>D[driveBtn1]</a:t>
+            </a:r>
+          </a:p>
+          <a:p>
+            <a:pPr algn="ctr"/>
+            <a:r>
+              <a:rPr lang="en-US" altLang="ko-KR" sz="1400" dirty="0">
+                <a:solidFill>
+                  <a:schemeClr val="bg2"/>
+                </a:solidFill>
+              </a:rPr>
+              <a:t>S[</a:t>
+            </a:r>
+            <a:r>
+              <a:rPr lang="en-US" altLang="ko-KR" sz="1400" dirty="0" err="1">
+                <a:solidFill>
+                  <a:schemeClr val="bg2"/>
+                </a:solidFill>
+              </a:rPr>
+              <a:t>stopBtn1</a:t>
+            </a:r>
+            <a:r>
+              <a:rPr lang="en-US" altLang="ko-KR" sz="1400" dirty="0">
+                <a:solidFill>
+                  <a:schemeClr val="bg2"/>
+                </a:solidFill>
+              </a:rPr>
+              <a:t>]</a:t>
+            </a:r>
+          </a:p>
+          <a:p>
+            <a:pPr algn="ctr"/>
+            <a:r>
+              <a:rPr lang="en-US" altLang="ko-KR" sz="1400" dirty="0">
                 <a:solidFill>
                   <a:schemeClr val="bg2"/>
                 </a:solidFill>
@@ -6089,23 +6127,34 @@
           <a:p>
             <a:pPr algn="ctr"/>
             <a:r>
-              <a:rPr lang="en-US" altLang="ko-KR" dirty="0">
+              <a:rPr lang="en-US" altLang="ko-KR" sz="1400" dirty="0">
                 <a:solidFill>
                   <a:schemeClr val="bg2"/>
                 </a:solidFill>
               </a:rPr>
-              <a:t>S[</a:t>
-            </a:r>
-            <a:r>
-              <a:rPr lang="en-US" altLang="ko-KR" dirty="0" err="1">
+              <a:t>T[testrunBtn1]</a:t>
+            </a:r>
+          </a:p>
+          <a:p>
+            <a:pPr algn="ctr"/>
+            <a:r>
+              <a:rPr lang="en-US" altLang="ko-KR" sz="1400" dirty="0">
                 <a:solidFill>
                   <a:schemeClr val="bg2"/>
                 </a:solidFill>
               </a:rPr>
-              <a:t>stopBtn1</a:t>
-            </a:r>
-            <a:r>
-              <a:rPr lang="en-US" altLang="ko-KR" dirty="0">
+              <a:t>R[</a:t>
+            </a:r>
+            <a:r>
+              <a:rPr lang="en-US" altLang="ko-KR" sz="1400" dirty="0" err="1">
+                <a:solidFill>
+                  <a:schemeClr val="bg2"/>
+                </a:solidFill>
+              </a:rPr>
+              <a:t>readyBtn1</a:t>
+            </a:r>
+            <a:r>
+              <a:rPr lang="en-US" altLang="ko-KR" sz="1400" dirty="0">
                 <a:solidFill>
                   <a:schemeClr val="bg2"/>
                 </a:solidFill>
@@ -6116,29 +6165,7 @@
           <a:p>
             <a:pPr algn="ctr"/>
             <a:r>
-              <a:rPr lang="en-US" altLang="ko-KR" dirty="0">
-                <a:solidFill>
-                  <a:schemeClr val="bg2"/>
-                </a:solidFill>
-              </a:rPr>
-              <a:t>D[driveBtn1]</a:t>
-            </a:r>
-          </a:p>
-          <a:p>
-            <a:pPr algn="ctr"/>
-            <a:r>
-              <a:rPr lang="en-US" altLang="ko-KR" dirty="0">
-                <a:solidFill>
-                  <a:schemeClr val="bg2"/>
-                </a:solidFill>
-              </a:rPr>
-              <a:t>T[testrunBtn1]</a:t>
-            </a:r>
-          </a:p>
-          <a:p>
-            <a:pPr algn="ctr"/>
-            <a:r>
-              <a:rPr lang="en-US" altLang="ko-KR" dirty="0">
+              <a:rPr lang="en-US" altLang="ko-KR" sz="1400" dirty="0">
                 <a:solidFill>
                   <a:schemeClr val="bg2"/>
                 </a:solidFill>
@@ -6149,14 +6176,14 @@
           <a:p>
             <a:pPr algn="ctr"/>
             <a:r>
-              <a:rPr lang="en-US" altLang="ko-KR" dirty="0">
+              <a:rPr lang="en-US" altLang="ko-KR" sz="1400" dirty="0">
                 <a:solidFill>
                   <a:schemeClr val="bg2"/>
                 </a:solidFill>
               </a:rPr>
               <a:t>H[homeBtn1]</a:t>
             </a:r>
-            <a:endParaRPr lang="en-US" altLang="ko-KR" sz="1400" dirty="0">
+            <a:endParaRPr lang="en-US" altLang="ko-KR" sz="1100" dirty="0">
               <a:solidFill>
                 <a:schemeClr val="bg2"/>
               </a:solidFill>
@@ -6452,6 +6479,41 @@
               </a:rPr>
               <a:t>]</a:t>
             </a:r>
+          </a:p>
+          <a:p>
+            <a:pPr algn="ctr"/>
+            <a:r>
+              <a:rPr lang="en-US" altLang="ko-KR" sz="1800" dirty="0">
+                <a:solidFill>
+                  <a:schemeClr val="bg2"/>
+                </a:solidFill>
+              </a:rPr>
+              <a:t>R[</a:t>
+            </a:r>
+            <a:r>
+              <a:rPr lang="en-US" altLang="ko-KR" sz="1800" dirty="0" err="1">
+                <a:solidFill>
+                  <a:schemeClr val="bg2"/>
+                </a:solidFill>
+              </a:rPr>
+              <a:t>readyBtn1</a:t>
+            </a:r>
+            <a:r>
+              <a:rPr lang="en-US" altLang="ko-KR" sz="1800">
+                <a:solidFill>
+                  <a:schemeClr val="bg2"/>
+                </a:solidFill>
+              </a:rPr>
+              <a:t>]</a:t>
+            </a:r>
+          </a:p>
+          <a:p>
+            <a:pPr algn="ctr"/>
+            <a:endParaRPr lang="en-US" altLang="ko-KR" dirty="0">
+              <a:solidFill>
+                <a:schemeClr val="bg2"/>
+              </a:solidFill>
+            </a:endParaRPr>
           </a:p>
         </p:txBody>
       </p:sp>

--- a/DsDotNet/src/UnitTest/UnitTest.Engine/ImportOffice/ppt/T10_Button.pptx
+++ b/DsDotNet/src/UnitTest/UnitTest.Engine/ImportOffice/ppt/T10_Button.pptx
@@ -6094,23 +6094,7 @@
                   <a:schemeClr val="bg2"/>
                 </a:solidFill>
               </a:rPr>
-              <a:t>S[</a:t>
-            </a:r>
-            <a:r>
-              <a:rPr lang="en-US" altLang="ko-KR" sz="1400" dirty="0" err="1">
-                <a:solidFill>
-                  <a:schemeClr val="bg2"/>
-                </a:solidFill>
-              </a:rPr>
-              <a:t>stopBtn1</a:t>
-            </a:r>
-            <a:r>
-              <a:rPr lang="en-US" altLang="ko-KR" sz="1400" dirty="0">
-                <a:solidFill>
-                  <a:schemeClr val="bg2"/>
-                </a:solidFill>
-              </a:rPr>
-              <a:t>]</a:t>
+              <a:t>S[stopBtn1]</a:t>
             </a:r>
           </a:p>
           <a:p>
@@ -6143,23 +6127,7 @@
                   <a:schemeClr val="bg2"/>
                 </a:solidFill>
               </a:rPr>
-              <a:t>R[</a:t>
-            </a:r>
-            <a:r>
-              <a:rPr lang="en-US" altLang="ko-KR" sz="1400" dirty="0" err="1">
-                <a:solidFill>
-                  <a:schemeClr val="bg2"/>
-                </a:solidFill>
-              </a:rPr>
-              <a:t>readyBtn1</a:t>
-            </a:r>
-            <a:r>
-              <a:rPr lang="en-US" altLang="ko-KR" sz="1400" dirty="0">
-                <a:solidFill>
-                  <a:schemeClr val="bg2"/>
-                </a:solidFill>
-              </a:rPr>
-              <a:t>]</a:t>
+              <a:t>R[readyBtn1]</a:t>
             </a:r>
           </a:p>
           <a:p>
@@ -6268,7 +6236,7 @@
                   <a:schemeClr val="bg2"/>
                 </a:solidFill>
               </a:rPr>
-              <a:t>E[emgLamp1]</a:t>
+              <a:t>D[driveLamp1]</a:t>
             </a:r>
           </a:p>
           <a:p>
@@ -6290,7 +6258,7 @@
                   <a:schemeClr val="bg2"/>
                 </a:solidFill>
               </a:rPr>
-              <a:t>D[driveLamp1]</a:t>
+              <a:t>E[emgLamp1]</a:t>
             </a:r>
           </a:p>
           <a:p>
@@ -6322,6 +6290,78 @@
                 <a:schemeClr val="bg2"/>
               </a:solidFill>
             </a:endParaRPr>
+          </a:p>
+        </p:txBody>
+      </p:sp>
+      <p:sp>
+        <p:nvSpPr>
+          <p:cNvPr id="3" name="TextBox 2">
+            <a:extLst>
+              <a:ext uri="{FF2B5EF4-FFF2-40B4-BE49-F238E27FC236}">
+                <a16:creationId xmlns:a16="http://schemas.microsoft.com/office/drawing/2014/main" id="{EAE317E8-83B7-4022-A1E1-5B0C847EADAE}"/>
+              </a:ext>
+            </a:extLst>
+          </p:cNvPr>
+          <p:cNvSpPr txBox="1"/>
+          <p:nvPr/>
+        </p:nvSpPr>
+        <p:spPr>
+          <a:xfrm>
+            <a:off x="2890685" y="2045109"/>
+            <a:ext cx="2073003" cy="369332"/>
+          </a:xfrm>
+          <a:prstGeom prst="rect">
+            <a:avLst/>
+          </a:prstGeom>
+          <a:noFill/>
+        </p:spPr>
+        <p:txBody>
+          <a:bodyPr wrap="none" rtlCol="0">
+            <a:spAutoFit/>
+          </a:bodyPr>
+          <a:lstStyle/>
+          <a:p>
+            <a:r>
+              <a:rPr lang="en-US" altLang="ko-KR" dirty="0"/>
+              <a:t>A M D S E T R C H</a:t>
+            </a:r>
+            <a:endParaRPr lang="ko-KR" altLang="en-US" dirty="0"/>
+          </a:p>
+        </p:txBody>
+      </p:sp>
+      <p:sp>
+        <p:nvSpPr>
+          <p:cNvPr id="6" name="TextBox 5">
+            <a:extLst>
+              <a:ext uri="{FF2B5EF4-FFF2-40B4-BE49-F238E27FC236}">
+                <a16:creationId xmlns:a16="http://schemas.microsoft.com/office/drawing/2014/main" id="{3DBFDA71-0EDF-EBB0-264D-9F64B93F7B24}"/>
+              </a:ext>
+            </a:extLst>
+          </p:cNvPr>
+          <p:cNvSpPr txBox="1"/>
+          <p:nvPr/>
+        </p:nvSpPr>
+        <p:spPr>
+          <a:xfrm>
+            <a:off x="7079227" y="2045109"/>
+            <a:ext cx="1600118" cy="369332"/>
+          </a:xfrm>
+          <a:prstGeom prst="rect">
+            <a:avLst/>
+          </a:prstGeom>
+          <a:noFill/>
+        </p:spPr>
+        <p:txBody>
+          <a:bodyPr wrap="none" rtlCol="0">
+            <a:spAutoFit/>
+          </a:bodyPr>
+          <a:lstStyle/>
+          <a:p>
+            <a:r>
+              <a:rPr lang="en-US" altLang="ko-KR" dirty="0"/>
+              <a:t>A M D S E T R</a:t>
+            </a:r>
+            <a:endParaRPr lang="ko-KR" altLang="en-US" dirty="0"/>
           </a:p>
         </p:txBody>
       </p:sp>
@@ -6488,23 +6528,7 @@
                   <a:schemeClr val="bg2"/>
                 </a:solidFill>
               </a:rPr>
-              <a:t>R[</a:t>
-            </a:r>
-            <a:r>
-              <a:rPr lang="en-US" altLang="ko-KR" sz="1800" dirty="0" err="1">
-                <a:solidFill>
-                  <a:schemeClr val="bg2"/>
-                </a:solidFill>
-              </a:rPr>
-              <a:t>readyBtn1</a:t>
-            </a:r>
-            <a:r>
-              <a:rPr lang="en-US" altLang="ko-KR" sz="1800">
-                <a:solidFill>
-                  <a:schemeClr val="bg2"/>
-                </a:solidFill>
-              </a:rPr>
-              <a:t>]</a:t>
+              <a:t>R[readyBtn1]</a:t>
             </a:r>
           </a:p>
           <a:p>

--- a/DsDotNet/src/UnitTest/UnitTest.Engine/ImportOffice/ppt/T10_Button.pptx
+++ b/DsDotNet/src/UnitTest/UnitTest.Engine/ImportOffice/ppt/T10_Button.pptx
@@ -5,16 +5,15 @@
     <p:sldMasterId id="2147483660" r:id="rId1"/>
   </p:sldMasterIdLst>
   <p:notesMasterIdLst>
-    <p:notesMasterId r:id="rId6"/>
+    <p:notesMasterId r:id="rId5"/>
   </p:notesMasterIdLst>
   <p:handoutMasterIdLst>
-    <p:handoutMasterId r:id="rId7"/>
+    <p:handoutMasterId r:id="rId6"/>
   </p:handoutMasterIdLst>
   <p:sldIdLst>
     <p:sldId id="256" r:id="rId2"/>
-    <p:sldId id="622" r:id="rId3"/>
-    <p:sldId id="623" r:id="rId4"/>
-    <p:sldId id="624" r:id="rId5"/>
+    <p:sldId id="625" r:id="rId3"/>
+    <p:sldId id="713" r:id="rId4"/>
   </p:sldIdLst>
   <p:sldSz cx="12192000" cy="6858000"/>
   <p:notesSz cx="6797675" cy="9926638"/>
@@ -218,7 +217,7 @@
           <a:p>
             <a:fld id="{DD503887-5801-43A0-AEF9-041E8DDC2558}" type="datetimeFigureOut">
               <a:rPr lang="ko-KR" altLang="en-US" smtClean="0"/>
-              <a:t>2023-01-13</a:t>
+              <a:t>2023-01-27</a:t>
             </a:fld>
             <a:endParaRPr lang="ko-KR" altLang="en-US"/>
           </a:p>
@@ -395,7 +394,7 @@
           <a:p>
             <a:fld id="{95336A0E-57B1-4D4C-BD9B-2F72B5943464}" type="datetimeFigureOut">
               <a:rPr lang="ko-KR" altLang="en-US" smtClean="0"/>
-              <a:t>2023-01-13</a:t>
+              <a:t>2023-01-27</a:t>
             </a:fld>
             <a:endParaRPr lang="ko-KR" altLang="en-US"/>
           </a:p>
@@ -757,7 +756,7 @@
           <a:effectLst/>
           <a:extLst>
             <a:ext uri="{91240B29-F687-4f45-9708-019B960494DF}">
-              <a14:hiddenLine xmlns="" xmlns:a14="http://schemas.microsoft.com/office/drawing/2010/main" w="9525">
+              <a14:hiddenLine xmlns:a14="http://schemas.microsoft.com/office/drawing/2010/main" xmlns="" w="9525">
                 <a:solidFill>
                   <a:srgbClr val="000000"/>
                 </a:solidFill>
@@ -949,7 +948,7 @@
           <a:p>
             <a:fld id="{DEA6EBF0-8E22-42A7-9BEA-2AC7066E6498}" type="datetimeFigureOut">
               <a:rPr lang="ko-KR" altLang="en-US" smtClean="0"/>
-              <a:t>2023-01-13</a:t>
+              <a:t>2023-01-27</a:t>
             </a:fld>
             <a:endParaRPr lang="ko-KR" altLang="en-US"/>
           </a:p>
@@ -1267,7 +1266,7 @@
           <a:p>
             <a:fld id="{DEA6EBF0-8E22-42A7-9BEA-2AC7066E6498}" type="datetimeFigureOut">
               <a:rPr lang="ko-KR" altLang="en-US" smtClean="0"/>
-              <a:t>2023-01-13</a:t>
+              <a:t>2023-01-27</a:t>
             </a:fld>
             <a:endParaRPr lang="ko-KR" altLang="en-US"/>
           </a:p>
@@ -1755,7 +1754,7 @@
           <a:p>
             <a:fld id="{DEA6EBF0-8E22-42A7-9BEA-2AC7066E6498}" type="datetimeFigureOut">
               <a:rPr lang="ko-KR" altLang="en-US" smtClean="0"/>
-              <a:t>2023-01-13</a:t>
+              <a:t>2023-01-27</a:t>
             </a:fld>
             <a:endParaRPr lang="ko-KR" altLang="en-US"/>
           </a:p>
@@ -2124,7 +2123,7 @@
           <a:p>
             <a:fld id="{DEA6EBF0-8E22-42A7-9BEA-2AC7066E6498}" type="datetimeFigureOut">
               <a:rPr lang="ko-KR" altLang="en-US" smtClean="0"/>
-              <a:t>2023-01-13</a:t>
+              <a:t>2023-01-27</a:t>
             </a:fld>
             <a:endParaRPr lang="ko-KR" altLang="en-US"/>
           </a:p>
@@ -2279,7 +2278,7 @@
           <a:ln/>
           <a:extLst>
             <a:ext uri="{91240B29-F687-4f45-9708-019B960494DF}">
-              <a14:hiddenLine xmlns="" xmlns:a14="http://schemas.microsoft.com/office/drawing/2010/main" w="9525">
+              <a14:hiddenLine xmlns:a14="http://schemas.microsoft.com/office/drawing/2010/main" xmlns="" w="9525">
                 <a:solidFill>
                   <a:srgbClr val="000000"/>
                 </a:solidFill>
@@ -2397,7 +2396,7 @@
           <a:p>
             <a:fld id="{DEA6EBF0-8E22-42A7-9BEA-2AC7066E6498}" type="datetimeFigureOut">
               <a:rPr lang="ko-KR" altLang="en-US" smtClean="0"/>
-              <a:t>2023-01-13</a:t>
+              <a:t>2023-01-27</a:t>
             </a:fld>
             <a:endParaRPr lang="ko-KR" altLang="en-US"/>
           </a:p>
@@ -2554,7 +2553,7 @@
           <a:ln/>
           <a:extLst>
             <a:ext uri="{91240B29-F687-4f45-9708-019B960494DF}">
-              <a14:hiddenLine xmlns="" xmlns:a14="http://schemas.microsoft.com/office/drawing/2010/main" w="9525">
+              <a14:hiddenLine xmlns:a14="http://schemas.microsoft.com/office/drawing/2010/main" xmlns="" w="9525">
                 <a:solidFill>
                   <a:srgbClr val="000000"/>
                 </a:solidFill>
@@ -2682,7 +2681,7 @@
           <a:p>
             <a:fld id="{DEA6EBF0-8E22-42A7-9BEA-2AC7066E6498}" type="datetimeFigureOut">
               <a:rPr lang="ko-KR" altLang="en-US" smtClean="0"/>
-              <a:t>2023-01-13</a:t>
+              <a:t>2023-01-27</a:t>
             </a:fld>
             <a:endParaRPr lang="ko-KR" altLang="en-US"/>
           </a:p>
@@ -2800,7 +2799,7 @@
           <a:p>
             <a:fld id="{DEA6EBF0-8E22-42A7-9BEA-2AC7066E6498}" type="datetimeFigureOut">
               <a:rPr lang="ko-KR" altLang="en-US" smtClean="0"/>
-              <a:t>2023-01-13</a:t>
+              <a:t>2023-01-27</a:t>
             </a:fld>
             <a:endParaRPr lang="ko-KR" altLang="en-US"/>
           </a:p>
@@ -2955,7 +2954,7 @@
           <a:ln/>
           <a:extLst>
             <a:ext uri="{91240B29-F687-4f45-9708-019B960494DF}">
-              <a14:hiddenLine xmlns="" xmlns:a14="http://schemas.microsoft.com/office/drawing/2010/main" w="9525">
+              <a14:hiddenLine xmlns:a14="http://schemas.microsoft.com/office/drawing/2010/main" xmlns="" w="9525">
                 <a:solidFill>
                   <a:srgbClr val="000000"/>
                 </a:solidFill>
@@ -3083,7 +3082,7 @@
           <a:p>
             <a:fld id="{DEA6EBF0-8E22-42A7-9BEA-2AC7066E6498}" type="datetimeFigureOut">
               <a:rPr lang="ko-KR" altLang="en-US" smtClean="0"/>
-              <a:t>2023-01-13</a:t>
+              <a:t>2023-01-27</a:t>
             </a:fld>
             <a:endParaRPr lang="ko-KR" altLang="en-US"/>
           </a:p>
@@ -3426,7 +3425,7 @@
           <a:p>
             <a:fld id="{DEA6EBF0-8E22-42A7-9BEA-2AC7066E6498}" type="datetimeFigureOut">
               <a:rPr lang="ko-KR" altLang="en-US" smtClean="0"/>
-              <a:t>2023-01-13</a:t>
+              <a:t>2023-01-27</a:t>
             </a:fld>
             <a:endParaRPr lang="ko-KR" altLang="en-US"/>
           </a:p>
@@ -3581,7 +3580,7 @@
           <a:ln/>
           <a:extLst>
             <a:ext uri="{91240B29-F687-4f45-9708-019B960494DF}">
-              <a14:hiddenLine xmlns="" xmlns:a14="http://schemas.microsoft.com/office/drawing/2010/main" w="9525">
+              <a14:hiddenLine xmlns:a14="http://schemas.microsoft.com/office/drawing/2010/main" xmlns="" w="9525">
                 <a:solidFill>
                   <a:srgbClr val="000000"/>
                 </a:solidFill>
@@ -3765,7 +3764,7 @@
           <a:p>
             <a:fld id="{DEA6EBF0-8E22-42A7-9BEA-2AC7066E6498}" type="datetimeFigureOut">
               <a:rPr lang="ko-KR" altLang="en-US" smtClean="0"/>
-              <a:t>2023-01-13</a:t>
+              <a:t>2023-01-27</a:t>
             </a:fld>
             <a:endParaRPr lang="ko-KR" altLang="en-US"/>
           </a:p>
@@ -3920,7 +3919,7 @@
           <a:ln/>
           <a:extLst>
             <a:ext uri="{91240B29-F687-4f45-9708-019B960494DF}">
-              <a14:hiddenLine xmlns="" xmlns:a14="http://schemas.microsoft.com/office/drawing/2010/main" w="9525">
+              <a14:hiddenLine xmlns:a14="http://schemas.microsoft.com/office/drawing/2010/main" xmlns="" w="9525">
                 <a:solidFill>
                   <a:srgbClr val="000000"/>
                 </a:solidFill>
@@ -4242,7 +4241,7 @@
           <a:p>
             <a:fld id="{DEA6EBF0-8E22-42A7-9BEA-2AC7066E6498}" type="datetimeFigureOut">
               <a:rPr lang="ko-KR" altLang="en-US" smtClean="0"/>
-              <a:t>2023-01-13</a:t>
+              <a:t>2023-01-27</a:t>
             </a:fld>
             <a:endParaRPr lang="ko-KR" altLang="en-US"/>
           </a:p>
@@ -4337,7 +4336,7 @@
           <a:p>
             <a:fld id="{DEA6EBF0-8E22-42A7-9BEA-2AC7066E6498}" type="datetimeFigureOut">
               <a:rPr lang="ko-KR" altLang="en-US" smtClean="0"/>
-              <a:t>2023-01-13</a:t>
+              <a:t>2023-01-27</a:t>
             </a:fld>
             <a:endParaRPr lang="ko-KR" altLang="en-US"/>
           </a:p>
@@ -4605,7 +4604,7 @@
           <a:ln/>
           <a:extLst>
             <a:ext uri="{91240B29-F687-4f45-9708-019B960494DF}">
-              <a14:hiddenLine xmlns="" xmlns:a14="http://schemas.microsoft.com/office/drawing/2010/main" w="9525">
+              <a14:hiddenLine xmlns:a14="http://schemas.microsoft.com/office/drawing/2010/main" xmlns="" w="9525">
                 <a:solidFill>
                   <a:srgbClr val="000000"/>
                 </a:solidFill>
@@ -4804,7 +4803,7 @@
           <a:p>
             <a:fld id="{DEA6EBF0-8E22-42A7-9BEA-2AC7066E6498}" type="datetimeFigureOut">
               <a:rPr lang="ko-KR" altLang="en-US" smtClean="0"/>
-              <a:t>2023-01-13</a:t>
+              <a:t>2023-01-27</a:t>
             </a:fld>
             <a:endParaRPr lang="ko-KR" altLang="en-US"/>
           </a:p>
@@ -5117,7 +5116,7 @@
           <a:p>
             <a:fld id="{DEA6EBF0-8E22-42A7-9BEA-2AC7066E6498}" type="datetimeFigureOut">
               <a:rPr lang="ko-KR" altLang="en-US" smtClean="0"/>
-              <a:t>2023-01-13</a:t>
+              <a:t>2023-01-27</a:t>
             </a:fld>
             <a:endParaRPr lang="ko-KR" altLang="en-US"/>
           </a:p>
@@ -5387,7 +5386,7 @@
           <a:p>
             <a:fld id="{DEA6EBF0-8E22-42A7-9BEA-2AC7066E6498}" type="datetimeFigureOut">
               <a:rPr lang="ko-KR" altLang="en-US" smtClean="0"/>
-              <a:t>2023-01-13</a:t>
+              <a:t>2023-01-27</a:t>
             </a:fld>
             <a:endParaRPr lang="ko-KR" altLang="en-US"/>
           </a:p>
@@ -6061,7 +6060,7 @@
                   <a:schemeClr val="bg2"/>
                 </a:solidFill>
               </a:rPr>
-              <a:t>A[autoBtn1]</a:t>
+              <a:t>[A]autoBtn1</a:t>
             </a:r>
           </a:p>
           <a:p>
@@ -6072,8 +6071,21 @@
                   <a:schemeClr val="bg2"/>
                 </a:solidFill>
               </a:rPr>
-              <a:t>M[manualBtn1]</a:t>
-            </a:r>
+              <a:t>[M]</a:t>
+            </a:r>
+            <a:r>
+              <a:rPr lang="en-US" altLang="ko-KR" sz="1400" dirty="0" err="1">
+                <a:solidFill>
+                  <a:schemeClr val="bg2"/>
+                </a:solidFill>
+              </a:rPr>
+              <a:t>manualBtn1</a:t>
+            </a:r>
+            <a:endParaRPr lang="en-US" altLang="ko-KR" sz="1400" dirty="0">
+              <a:solidFill>
+                <a:schemeClr val="bg2"/>
+              </a:solidFill>
+            </a:endParaRPr>
           </a:p>
           <a:p>
             <a:pPr algn="ctr"/>
@@ -6083,7 +6095,7 @@
                   <a:schemeClr val="bg2"/>
                 </a:solidFill>
               </a:rPr>
-              <a:t>D[driveBtn1]</a:t>
+              <a:t>[D] driveBtn1</a:t>
             </a:r>
           </a:p>
           <a:p>
@@ -6094,7 +6106,7 @@
                   <a:schemeClr val="bg2"/>
                 </a:solidFill>
               </a:rPr>
-              <a:t>S[stopBtn1]</a:t>
+              <a:t>[S]stopBtn1</a:t>
             </a:r>
           </a:p>
           <a:p>
@@ -6105,7 +6117,7 @@
                   <a:schemeClr val="bg2"/>
                 </a:solidFill>
               </a:rPr>
-              <a:t>E[emgBtn1]</a:t>
+              <a:t>[E] emgBtn1</a:t>
             </a:r>
           </a:p>
           <a:p>
@@ -6116,7 +6128,7 @@
                   <a:schemeClr val="bg2"/>
                 </a:solidFill>
               </a:rPr>
-              <a:t>T[testrunBtn1]</a:t>
+              <a:t>[T] testrunBtn1</a:t>
             </a:r>
           </a:p>
           <a:p>
@@ -6127,7 +6139,7 @@
                   <a:schemeClr val="bg2"/>
                 </a:solidFill>
               </a:rPr>
-              <a:t>R[readyBtn1]</a:t>
+              <a:t>[R] readyBtn1</a:t>
             </a:r>
           </a:p>
           <a:p>
@@ -6138,8 +6150,21 @@
                   <a:schemeClr val="bg2"/>
                 </a:solidFill>
               </a:rPr>
-              <a:t>C[clearBtn1]</a:t>
-            </a:r>
+              <a:t>[C] </a:t>
+            </a:r>
+            <a:r>
+              <a:rPr lang="en-US" altLang="ko-KR" sz="1400" dirty="0" err="1">
+                <a:solidFill>
+                  <a:schemeClr val="bg2"/>
+                </a:solidFill>
+              </a:rPr>
+              <a:t>clearBtn1</a:t>
+            </a:r>
+            <a:endParaRPr lang="en-US" altLang="ko-KR" sz="1400" dirty="0">
+              <a:solidFill>
+                <a:schemeClr val="bg2"/>
+              </a:solidFill>
+            </a:endParaRPr>
           </a:p>
           <a:p>
             <a:pPr algn="ctr"/>
@@ -6149,7 +6174,15 @@
                   <a:schemeClr val="bg2"/>
                 </a:solidFill>
               </a:rPr>
-              <a:t>H[homeBtn1]</a:t>
+              <a:t>[H] </a:t>
+            </a:r>
+            <a:r>
+              <a:rPr lang="en-US" altLang="ko-KR" sz="1400" dirty="0" err="1">
+                <a:solidFill>
+                  <a:schemeClr val="bg2"/>
+                </a:solidFill>
+              </a:rPr>
+              <a:t>homeBtn1</a:t>
             </a:r>
             <a:endParaRPr lang="en-US" altLang="ko-KR" sz="1100" dirty="0">
               <a:solidFill>
@@ -6214,7 +6247,7 @@
                   <a:schemeClr val="bg2"/>
                 </a:solidFill>
               </a:rPr>
-              <a:t>A[autoLamp1]</a:t>
+              <a:t>[A] autoLamp1</a:t>
             </a:r>
           </a:p>
           <a:p>
@@ -6225,7 +6258,7 @@
                   <a:schemeClr val="bg2"/>
                 </a:solidFill>
               </a:rPr>
-              <a:t>M[manualLamp1]</a:t>
+              <a:t>[M] manualLamp1</a:t>
             </a:r>
           </a:p>
           <a:p>
@@ -6236,7 +6269,7 @@
                   <a:schemeClr val="bg2"/>
                 </a:solidFill>
               </a:rPr>
-              <a:t>D[driveLamp1]</a:t>
+              <a:t>[D] driveLamp1</a:t>
             </a:r>
           </a:p>
           <a:p>
@@ -6247,7 +6280,7 @@
                   <a:schemeClr val="bg2"/>
                 </a:solidFill>
               </a:rPr>
-              <a:t>S[stopLamp1] </a:t>
+              <a:t>[S] stopLamp1 </a:t>
             </a:r>
           </a:p>
           <a:p>
@@ -6258,7 +6291,7 @@
                   <a:schemeClr val="bg2"/>
                 </a:solidFill>
               </a:rPr>
-              <a:t>E[emgLamp1]</a:t>
+              <a:t>[E] emgLamp1</a:t>
             </a:r>
           </a:p>
           <a:p>
@@ -6269,7 +6302,7 @@
                   <a:schemeClr val="bg2"/>
                 </a:solidFill>
               </a:rPr>
-              <a:t>T[testrunLamp1]</a:t>
+              <a:t>[T] testrunLamp1</a:t>
             </a:r>
           </a:p>
           <a:p>
@@ -6280,7 +6313,7 @@
                   <a:schemeClr val="bg2"/>
                 </a:solidFill>
               </a:rPr>
-              <a:t>R[readyLamp1]</a:t>
+              <a:t>[R] readyLamp1</a:t>
             </a:r>
           </a:p>
           <a:p>
@@ -6322,8 +6355,16 @@
           <a:lstStyle/>
           <a:p>
             <a:r>
+              <a:rPr lang="en-US" altLang="ko-KR" dirty="0">
+                <a:solidFill>
+                  <a:schemeClr val="accent1"/>
+                </a:solidFill>
+              </a:rPr>
+              <a:t>A M D S E T R </a:t>
+            </a:r>
+            <a:r>
               <a:rPr lang="en-US" altLang="ko-KR" dirty="0"/>
-              <a:t>A M D S E T R C H</a:t>
+              <a:t>C H</a:t>
             </a:r>
             <a:endParaRPr lang="ko-KR" altLang="en-US" dirty="0"/>
           </a:p>
@@ -6358,17 +6399,25 @@
           <a:lstStyle/>
           <a:p>
             <a:r>
-              <a:rPr lang="en-US" altLang="ko-KR" dirty="0"/>
+              <a:rPr lang="en-US" altLang="ko-KR" dirty="0">
+                <a:solidFill>
+                  <a:schemeClr val="accent1"/>
+                </a:solidFill>
+              </a:rPr>
               <a:t>A M D S E T R</a:t>
             </a:r>
-            <a:endParaRPr lang="ko-KR" altLang="en-US" dirty="0"/>
+            <a:endParaRPr lang="ko-KR" altLang="en-US" dirty="0">
+              <a:solidFill>
+                <a:schemeClr val="accent1"/>
+              </a:solidFill>
+            </a:endParaRPr>
           </a:p>
         </p:txBody>
       </p:sp>
     </p:spTree>
     <p:extLst>
       <p:ext uri="{BB962C8B-B14F-4D97-AF65-F5344CB8AC3E}">
-        <p14:creationId xmlns:p14="http://schemas.microsoft.com/office/powerpoint/2010/main" val="2074684439"/>
+        <p14:creationId xmlns:p14="http://schemas.microsoft.com/office/powerpoint/2010/main" val="766952055"/>
       </p:ext>
     </p:extLst>
   </p:cSld>
@@ -6474,66 +6523,68 @@
           <a:p>
             <a:pPr algn="ctr"/>
             <a:r>
-              <a:rPr lang="en-US" altLang="ko-KR" dirty="0">
+              <a:rPr lang="en-US" altLang="ko-KR" sz="1400" dirty="0">
                 <a:solidFill>
                   <a:schemeClr val="bg2"/>
                 </a:solidFill>
               </a:rPr>
-              <a:t>A[autoBtn1]</a:t>
+              <a:t>[A]autoBtn1</a:t>
             </a:r>
           </a:p>
           <a:p>
             <a:pPr algn="ctr"/>
             <a:r>
-              <a:rPr lang="en-US" altLang="ko-KR" dirty="0">
+              <a:rPr lang="en-US" altLang="ko-KR" sz="1400" dirty="0">
                 <a:solidFill>
                   <a:schemeClr val="bg2"/>
                 </a:solidFill>
               </a:rPr>
-              <a:t>M[manualBtn1]</a:t>
-            </a:r>
-          </a:p>
-          <a:p>
-            <a:pPr algn="ctr"/>
-            <a:r>
-              <a:rPr lang="en-US" altLang="ko-KR" dirty="0">
+              <a:t>[M]</a:t>
+            </a:r>
+            <a:r>
+              <a:rPr lang="en-US" altLang="ko-KR" sz="1400" dirty="0" err="1">
                 <a:solidFill>
                   <a:schemeClr val="bg2"/>
                 </a:solidFill>
               </a:rPr>
-              <a:t>E[</a:t>
-            </a:r>
-            <a:r>
-              <a:rPr lang="en-US" altLang="ko-KR" dirty="0" err="1">
+              <a:t>manualBtn1</a:t>
+            </a:r>
+            <a:endParaRPr lang="en-US" altLang="ko-KR" sz="1400" dirty="0">
+              <a:solidFill>
+                <a:schemeClr val="bg2"/>
+              </a:solidFill>
+            </a:endParaRPr>
+          </a:p>
+          <a:p>
+            <a:pPr algn="ctr"/>
+            <a:r>
+              <a:rPr lang="en-US" altLang="ko-KR" sz="1400" dirty="0">
                 <a:solidFill>
                   <a:schemeClr val="bg2"/>
                 </a:solidFill>
               </a:rPr>
-              <a:t>emgBtn1</a:t>
-            </a:r>
-            <a:r>
-              <a:rPr lang="en-US" altLang="ko-KR" dirty="0">
+              <a:t>[D] driveBtn1</a:t>
+            </a:r>
+          </a:p>
+          <a:p>
+            <a:pPr algn="ctr"/>
+            <a:r>
+              <a:rPr lang="en-US" altLang="ko-KR" sz="1400" dirty="0">
                 <a:solidFill>
                   <a:schemeClr val="bg2"/>
                 </a:solidFill>
               </a:rPr>
-              <a:t>]</a:t>
-            </a:r>
-          </a:p>
-          <a:p>
-            <a:pPr algn="ctr"/>
-            <a:r>
-              <a:rPr lang="en-US" altLang="ko-KR" sz="1800" dirty="0">
+              <a:t>[H] </a:t>
+            </a:r>
+            <a:r>
+              <a:rPr lang="en-US" altLang="ko-KR" sz="1400" dirty="0" err="1">
                 <a:solidFill>
                   <a:schemeClr val="bg2"/>
                 </a:solidFill>
               </a:rPr>
-              <a:t>R[readyBtn1]</a:t>
-            </a:r>
-          </a:p>
-          <a:p>
-            <a:pPr algn="ctr"/>
-            <a:endParaRPr lang="en-US" altLang="ko-KR" dirty="0">
+              <a:t>homeBtn1</a:t>
+            </a:r>
+            <a:endParaRPr lang="en-US" altLang="ko-KR" sz="1100" dirty="0">
               <a:solidFill>
                 <a:schemeClr val="bg2"/>
               </a:solidFill>
@@ -6596,8 +6647,21 @@
                   <a:schemeClr val="bg2"/>
                 </a:solidFill>
               </a:rPr>
-              <a:t>A[autoLamp1]</a:t>
-            </a:r>
+              <a:t>[A] </a:t>
+            </a:r>
+            <a:r>
+              <a:rPr lang="en-US" altLang="ko-KR" dirty="0" err="1">
+                <a:solidFill>
+                  <a:schemeClr val="bg2"/>
+                </a:solidFill>
+              </a:rPr>
+              <a:t>autoLamp2</a:t>
+            </a:r>
+            <a:endParaRPr lang="en-US" altLang="ko-KR" dirty="0">
+              <a:solidFill>
+                <a:schemeClr val="bg2"/>
+              </a:solidFill>
+            </a:endParaRPr>
           </a:p>
           <a:p>
             <a:pPr algn="ctr"/>
@@ -6607,8 +6671,21 @@
                   <a:schemeClr val="bg2"/>
                 </a:solidFill>
               </a:rPr>
-              <a:t>M[manualLamp1]</a:t>
-            </a:r>
+              <a:t>[M] </a:t>
+            </a:r>
+            <a:r>
+              <a:rPr lang="en-US" altLang="ko-KR" dirty="0" err="1">
+                <a:solidFill>
+                  <a:schemeClr val="bg2"/>
+                </a:solidFill>
+              </a:rPr>
+              <a:t>manualLamp2</a:t>
+            </a:r>
+            <a:endParaRPr lang="en-US" altLang="ko-KR" dirty="0">
+              <a:solidFill>
+                <a:schemeClr val="bg2"/>
+              </a:solidFill>
+            </a:endParaRPr>
           </a:p>
           <a:p>
             <a:pPr algn="ctr"/>
@@ -6618,8 +6695,21 @@
                   <a:schemeClr val="bg2"/>
                 </a:solidFill>
               </a:rPr>
-              <a:t>E[emgLamp1]</a:t>
-            </a:r>
+              <a:t>[T] </a:t>
+            </a:r>
+            <a:r>
+              <a:rPr lang="en-US" altLang="ko-KR" dirty="0" err="1">
+                <a:solidFill>
+                  <a:schemeClr val="bg2"/>
+                </a:solidFill>
+              </a:rPr>
+              <a:t>testrunLamp2</a:t>
+            </a:r>
+            <a:endParaRPr lang="en-US" altLang="ko-KR" dirty="0">
+              <a:solidFill>
+                <a:schemeClr val="bg2"/>
+              </a:solidFill>
+            </a:endParaRPr>
           </a:p>
           <a:p>
             <a:pPr algn="ctr"/>
@@ -6629,41 +6719,21 @@
                   <a:schemeClr val="bg2"/>
                 </a:solidFill>
               </a:rPr>
-              <a:t>S[stopLamp1]</a:t>
-            </a:r>
-          </a:p>
-          <a:p>
-            <a:pPr algn="ctr"/>
-            <a:r>
-              <a:rPr lang="en-US" altLang="ko-KR" dirty="0">
+              <a:t>[R] </a:t>
+            </a:r>
+            <a:r>
+              <a:rPr lang="en-US" altLang="ko-KR" dirty="0" err="1">
                 <a:solidFill>
                   <a:schemeClr val="bg2"/>
                 </a:solidFill>
               </a:rPr>
-              <a:t>D[driveLamp1]</a:t>
-            </a:r>
-          </a:p>
-          <a:p>
-            <a:pPr algn="ctr"/>
-            <a:r>
-              <a:rPr lang="en-US" altLang="ko-KR" dirty="0">
-                <a:solidFill>
-                  <a:schemeClr val="bg2"/>
-                </a:solidFill>
-              </a:rPr>
-              <a:t>T[testrunLamp1]</a:t>
-            </a:r>
-          </a:p>
-          <a:p>
-            <a:pPr algn="ctr"/>
-            <a:r>
-              <a:rPr lang="en-US" altLang="ko-KR" dirty="0">
-                <a:solidFill>
-                  <a:schemeClr val="bg2"/>
-                </a:solidFill>
-              </a:rPr>
-              <a:t>R[readyLamp1]</a:t>
-            </a:r>
+              <a:t>readyLamp2</a:t>
+            </a:r>
+            <a:endParaRPr lang="en-US" altLang="ko-KR" dirty="0">
+              <a:solidFill>
+                <a:schemeClr val="bg2"/>
+              </a:solidFill>
+            </a:endParaRPr>
           </a:p>
           <a:p>
             <a:pPr algn="ctr"/>
@@ -6678,167 +6748,7 @@
     </p:spTree>
     <p:extLst>
       <p:ext uri="{BB962C8B-B14F-4D97-AF65-F5344CB8AC3E}">
-        <p14:creationId xmlns:p14="http://schemas.microsoft.com/office/powerpoint/2010/main" val="339436869"/>
-      </p:ext>
-    </p:extLst>
-  </p:cSld>
-  <p:clrMapOvr>
-    <a:masterClrMapping/>
-  </p:clrMapOvr>
-</p:sld>
-</file>
-
-<file path=ppt/slides/slide4.xml><?xml version="1.0" encoding="utf-8"?>
-<p:sld xmlns:a="http://schemas.openxmlformats.org/drawingml/2006/main" xmlns:r="http://schemas.openxmlformats.org/officeDocument/2006/relationships" xmlns:p="http://schemas.openxmlformats.org/presentationml/2006/main">
-  <p:cSld>
-    <p:spTree>
-      <p:nvGrpSpPr>
-        <p:cNvPr id="1" name=""/>
-        <p:cNvGrpSpPr/>
-        <p:nvPr/>
-      </p:nvGrpSpPr>
-      <p:grpSpPr>
-        <a:xfrm>
-          <a:off x="0" y="0"/>
-          <a:ext cx="0" cy="0"/>
-          <a:chOff x="0" y="0"/>
-          <a:chExt cx="0" cy="0"/>
-        </a:xfrm>
-      </p:grpSpPr>
-      <p:sp>
-        <p:nvSpPr>
-          <p:cNvPr id="2" name="제목 1">
-            <a:extLst>
-              <a:ext uri="{FF2B5EF4-FFF2-40B4-BE49-F238E27FC236}">
-                <a16:creationId xmlns:a16="http://schemas.microsoft.com/office/drawing/2014/main" id="{E35BEC89-0CFB-7F29-D8C7-71B3E64B4D66}"/>
-              </a:ext>
-            </a:extLst>
-          </p:cNvPr>
-          <p:cNvSpPr>
-            <a:spLocks noGrp="1"/>
-          </p:cNvSpPr>
-          <p:nvPr>
-            <p:ph type="title"/>
-          </p:nvPr>
-        </p:nvSpPr>
-        <p:spPr/>
-        <p:txBody>
-          <a:bodyPr/>
-          <a:lstStyle/>
-          <a:p>
-            <a:r>
-              <a:rPr lang="en-US" altLang="ko-KR" dirty="0" err="1"/>
-              <a:t>S103</a:t>
-            </a:r>
-            <a:endParaRPr lang="ko-KR" altLang="en-US" dirty="0"/>
-          </a:p>
-        </p:txBody>
-      </p:sp>
-      <p:sp>
-        <p:nvSpPr>
-          <p:cNvPr id="5" name="사각형: 빗면 4">
-            <a:extLst>
-              <a:ext uri="{FF2B5EF4-FFF2-40B4-BE49-F238E27FC236}">
-                <a16:creationId xmlns:a16="http://schemas.microsoft.com/office/drawing/2014/main" id="{CC109A94-E99B-595B-64CD-E549C28F0B12}"/>
-              </a:ext>
-            </a:extLst>
-          </p:cNvPr>
-          <p:cNvSpPr/>
-          <p:nvPr/>
-        </p:nvSpPr>
-        <p:spPr>
-          <a:xfrm>
-            <a:off x="6427516" y="2561302"/>
-            <a:ext cx="3591555" cy="3534697"/>
-          </a:xfrm>
-          <a:prstGeom prst="bevel">
-            <a:avLst>
-              <a:gd name="adj" fmla="val 0"/>
-            </a:avLst>
-          </a:prstGeom>
-          <a:ln>
-            <a:solidFill>
-              <a:schemeClr val="tx1"/>
-            </a:solidFill>
-          </a:ln>
-        </p:spPr>
-        <p:style>
-          <a:lnRef idx="2">
-            <a:schemeClr val="accent1">
-              <a:shade val="50000"/>
-            </a:schemeClr>
-          </a:lnRef>
-          <a:fillRef idx="1">
-            <a:schemeClr val="accent1"/>
-          </a:fillRef>
-          <a:effectRef idx="0">
-            <a:schemeClr val="accent1"/>
-          </a:effectRef>
-          <a:fontRef idx="minor">
-            <a:schemeClr val="lt1"/>
-          </a:fontRef>
-        </p:style>
-        <p:txBody>
-          <a:bodyPr rtlCol="0" anchor="ctr"/>
-          <a:lstStyle/>
-          <a:p>
-            <a:pPr algn="ctr"/>
-            <a:r>
-              <a:rPr lang="en-US" altLang="ko-KR" dirty="0">
-                <a:solidFill>
-                  <a:schemeClr val="bg2"/>
-                </a:solidFill>
-              </a:rPr>
-              <a:t>A[autoLamp1]</a:t>
-            </a:r>
-          </a:p>
-          <a:p>
-            <a:pPr algn="ctr"/>
-            <a:r>
-              <a:rPr lang="en-US" altLang="ko-KR" dirty="0">
-                <a:solidFill>
-                  <a:schemeClr val="bg2"/>
-                </a:solidFill>
-              </a:rPr>
-              <a:t>M[manualLamp1]</a:t>
-            </a:r>
-          </a:p>
-          <a:p>
-            <a:pPr algn="ctr"/>
-            <a:r>
-              <a:rPr lang="en-US" altLang="ko-KR" dirty="0">
-                <a:solidFill>
-                  <a:schemeClr val="bg2"/>
-                </a:solidFill>
-              </a:rPr>
-              <a:t>T[testrunLamp1]</a:t>
-            </a:r>
-          </a:p>
-          <a:p>
-            <a:pPr algn="ctr"/>
-            <a:r>
-              <a:rPr lang="en-US" altLang="ko-KR" dirty="0">
-                <a:solidFill>
-                  <a:schemeClr val="bg2"/>
-                </a:solidFill>
-              </a:rPr>
-              <a:t>R[readyLamp1]</a:t>
-            </a:r>
-          </a:p>
-          <a:p>
-            <a:pPr algn="ctr"/>
-            <a:endParaRPr lang="en-US" altLang="ko-KR" dirty="0">
-              <a:solidFill>
-                <a:schemeClr val="bg2"/>
-              </a:solidFill>
-            </a:endParaRPr>
-          </a:p>
-        </p:txBody>
-      </p:sp>
-    </p:spTree>
-    <p:extLst>
-      <p:ext uri="{BB962C8B-B14F-4D97-AF65-F5344CB8AC3E}">
-        <p14:creationId xmlns:p14="http://schemas.microsoft.com/office/powerpoint/2010/main" val="3005056489"/>
+        <p14:creationId xmlns:p14="http://schemas.microsoft.com/office/powerpoint/2010/main" val="449957838"/>
       </p:ext>
     </p:extLst>
   </p:cSld>

--- a/DsDotNet/src/UnitTest/UnitTest.Engine/ImportOffice/ppt/T10_Button.pptx
+++ b/DsDotNet/src/UnitTest/UnitTest.Engine/ImportOffice/ppt/T10_Button.pptx
@@ -12,8 +12,8 @@
   </p:handoutMasterIdLst>
   <p:sldIdLst>
     <p:sldId id="256" r:id="rId2"/>
-    <p:sldId id="625" r:id="rId3"/>
-    <p:sldId id="713" r:id="rId4"/>
+    <p:sldId id="714" r:id="rId3"/>
+    <p:sldId id="715" r:id="rId4"/>
   </p:sldIdLst>
   <p:sldSz cx="12192000" cy="6858000"/>
   <p:notesSz cx="6797675" cy="9926638"/>
@@ -756,7 +756,7 @@
           <a:effectLst/>
           <a:extLst>
             <a:ext uri="{91240B29-F687-4f45-9708-019B960494DF}">
-              <a14:hiddenLine xmlns:a14="http://schemas.microsoft.com/office/drawing/2010/main" xmlns="" w="9525">
+              <a14:hiddenLine xmlns="" xmlns:a14="http://schemas.microsoft.com/office/drawing/2010/main" w="9525">
                 <a:solidFill>
                   <a:srgbClr val="000000"/>
                 </a:solidFill>
@@ -2278,7 +2278,7 @@
           <a:ln/>
           <a:extLst>
             <a:ext uri="{91240B29-F687-4f45-9708-019B960494DF}">
-              <a14:hiddenLine xmlns:a14="http://schemas.microsoft.com/office/drawing/2010/main" xmlns="" w="9525">
+              <a14:hiddenLine xmlns="" xmlns:a14="http://schemas.microsoft.com/office/drawing/2010/main" w="9525">
                 <a:solidFill>
                   <a:srgbClr val="000000"/>
                 </a:solidFill>
@@ -2553,7 +2553,7 @@
           <a:ln/>
           <a:extLst>
             <a:ext uri="{91240B29-F687-4f45-9708-019B960494DF}">
-              <a14:hiddenLine xmlns:a14="http://schemas.microsoft.com/office/drawing/2010/main" xmlns="" w="9525">
+              <a14:hiddenLine xmlns="" xmlns:a14="http://schemas.microsoft.com/office/drawing/2010/main" w="9525">
                 <a:solidFill>
                   <a:srgbClr val="000000"/>
                 </a:solidFill>
@@ -2954,7 +2954,7 @@
           <a:ln/>
           <a:extLst>
             <a:ext uri="{91240B29-F687-4f45-9708-019B960494DF}">
-              <a14:hiddenLine xmlns:a14="http://schemas.microsoft.com/office/drawing/2010/main" xmlns="" w="9525">
+              <a14:hiddenLine xmlns="" xmlns:a14="http://schemas.microsoft.com/office/drawing/2010/main" w="9525">
                 <a:solidFill>
                   <a:srgbClr val="000000"/>
                 </a:solidFill>
@@ -3580,7 +3580,7 @@
           <a:ln/>
           <a:extLst>
             <a:ext uri="{91240B29-F687-4f45-9708-019B960494DF}">
-              <a14:hiddenLine xmlns:a14="http://schemas.microsoft.com/office/drawing/2010/main" xmlns="" w="9525">
+              <a14:hiddenLine xmlns="" xmlns:a14="http://schemas.microsoft.com/office/drawing/2010/main" w="9525">
                 <a:solidFill>
                   <a:srgbClr val="000000"/>
                 </a:solidFill>
@@ -3919,7 +3919,7 @@
           <a:ln/>
           <a:extLst>
             <a:ext uri="{91240B29-F687-4f45-9708-019B960494DF}">
-              <a14:hiddenLine xmlns:a14="http://schemas.microsoft.com/office/drawing/2010/main" xmlns="" w="9525">
+              <a14:hiddenLine xmlns="" xmlns:a14="http://schemas.microsoft.com/office/drawing/2010/main" w="9525">
                 <a:solidFill>
                   <a:srgbClr val="000000"/>
                 </a:solidFill>
@@ -4604,7 +4604,7 @@
           <a:ln/>
           <a:extLst>
             <a:ext uri="{91240B29-F687-4f45-9708-019B960494DF}">
-              <a14:hiddenLine xmlns:a14="http://schemas.microsoft.com/office/drawing/2010/main" xmlns="" w="9525">
+              <a14:hiddenLine xmlns="" xmlns:a14="http://schemas.microsoft.com/office/drawing/2010/main" w="9525">
                 <a:solidFill>
                   <a:srgbClr val="000000"/>
                 </a:solidFill>
@@ -6258,8 +6258,21 @@
                   <a:schemeClr val="bg2"/>
                 </a:solidFill>
               </a:rPr>
-              <a:t>[M] manualLamp1</a:t>
-            </a:r>
+              <a:t>[M] </a:t>
+            </a:r>
+            <a:r>
+              <a:rPr lang="en-US" altLang="ko-KR" dirty="0" err="1">
+                <a:solidFill>
+                  <a:schemeClr val="bg2"/>
+                </a:solidFill>
+              </a:rPr>
+              <a:t>manualLamp1</a:t>
+            </a:r>
+            <a:endParaRPr lang="en-US" altLang="ko-KR" dirty="0">
+              <a:solidFill>
+                <a:schemeClr val="bg2"/>
+              </a:solidFill>
+            </a:endParaRPr>
           </a:p>
           <a:p>
             <a:pPr algn="ctr"/>
@@ -6315,6 +6328,30 @@
               </a:rPr>
               <a:t>[R] readyLamp1</a:t>
             </a:r>
+          </a:p>
+          <a:p>
+            <a:pPr algn="ctr"/>
+            <a:r>
+              <a:rPr lang="en-US" altLang="ko-KR" dirty="0">
+                <a:solidFill>
+                  <a:schemeClr val="bg2"/>
+                </a:solidFill>
+              </a:rPr>
+              <a:t>[I] </a:t>
+            </a:r>
+            <a:r>
+              <a:rPr lang="en-US" altLang="ko-KR" dirty="0" err="1">
+                <a:solidFill>
+                  <a:schemeClr val="bg2"/>
+                </a:solidFill>
+              </a:rPr>
+              <a:t>idleLamp1</a:t>
+            </a:r>
+            <a:endParaRPr lang="en-US" altLang="ko-KR" dirty="0">
+              <a:solidFill>
+                <a:schemeClr val="bg2"/>
+              </a:solidFill>
+            </a:endParaRPr>
           </a:p>
           <a:p>
             <a:pPr algn="ctr"/>
@@ -6417,7 +6454,7 @@
     </p:spTree>
     <p:extLst>
       <p:ext uri="{BB962C8B-B14F-4D97-AF65-F5344CB8AC3E}">
-        <p14:creationId xmlns:p14="http://schemas.microsoft.com/office/powerpoint/2010/main" val="766952055"/>
+        <p14:creationId xmlns:p14="http://schemas.microsoft.com/office/powerpoint/2010/main" val="3992733833"/>
       </p:ext>
     </p:extLst>
   </p:cSld>
@@ -6467,7 +6504,7 @@
           <a:p>
             <a:r>
               <a:rPr lang="en-US" altLang="ko-KR" dirty="0" err="1"/>
-              <a:t>S102</a:t>
+              <a:t>S10</a:t>
             </a:r>
             <a:endParaRPr lang="ko-KR" altLang="en-US" dirty="0"/>
           </a:p>
@@ -6737,18 +6774,42 @@
           </a:p>
           <a:p>
             <a:pPr algn="ctr"/>
+            <a:r>
+              <a:rPr lang="en-US" altLang="ko-KR" dirty="0">
+                <a:solidFill>
+                  <a:schemeClr val="bg2"/>
+                </a:solidFill>
+              </a:rPr>
+              <a:t>[I] </a:t>
+            </a:r>
+            <a:r>
+              <a:rPr lang="en-US" altLang="ko-KR" dirty="0" err="1">
+                <a:solidFill>
+                  <a:schemeClr val="bg2"/>
+                </a:solidFill>
+              </a:rPr>
+              <a:t>idleLamp2</a:t>
+            </a:r>
             <a:endParaRPr lang="en-US" altLang="ko-KR" dirty="0">
               <a:solidFill>
                 <a:schemeClr val="bg2"/>
               </a:solidFill>
             </a:endParaRPr>
           </a:p>
+          <a:p>
+            <a:pPr algn="ctr"/>
+            <a:endParaRPr lang="en-US" altLang="ko-KR" dirty="0">
+              <a:solidFill>
+                <a:schemeClr val="bg2"/>
+              </a:solidFill>
+            </a:endParaRPr>
+          </a:p>
         </p:txBody>
       </p:sp>
     </p:spTree>
     <p:extLst>
       <p:ext uri="{BB962C8B-B14F-4D97-AF65-F5344CB8AC3E}">
-        <p14:creationId xmlns:p14="http://schemas.microsoft.com/office/powerpoint/2010/main" val="449957838"/>
+        <p14:creationId xmlns:p14="http://schemas.microsoft.com/office/powerpoint/2010/main" val="1499651881"/>
       </p:ext>
     </p:extLst>
   </p:cSld>
